--- a/courseMaterial/Objective-3-Primitives Data Types & String/2-Strings.pptx
+++ b/courseMaterial/Objective-3-Primitives Data Types & String/2-Strings.pptx
@@ -5,21 +5,23 @@
     <p:sldMasterId id="2147483648" r:id="rId4"/>
   </p:sldMasterIdLst>
   <p:notesMasterIdLst>
-    <p:notesMasterId r:id="rId14"/>
+    <p:notesMasterId r:id="rId16"/>
   </p:notesMasterIdLst>
   <p:handoutMasterIdLst>
-    <p:handoutMasterId r:id="rId15"/>
+    <p:handoutMasterId r:id="rId17"/>
   </p:handoutMasterIdLst>
   <p:sldIdLst>
     <p:sldId id="256" r:id="rId5"/>
     <p:sldId id="261" r:id="rId6"/>
     <p:sldId id="282" r:id="rId7"/>
     <p:sldId id="283" r:id="rId8"/>
-    <p:sldId id="284" r:id="rId9"/>
-    <p:sldId id="286" r:id="rId10"/>
-    <p:sldId id="257" r:id="rId11"/>
-    <p:sldId id="285" r:id="rId12"/>
-    <p:sldId id="268" r:id="rId13"/>
+    <p:sldId id="287" r:id="rId9"/>
+    <p:sldId id="284" r:id="rId10"/>
+    <p:sldId id="288" r:id="rId11"/>
+    <p:sldId id="286" r:id="rId12"/>
+    <p:sldId id="257" r:id="rId13"/>
+    <p:sldId id="285" r:id="rId14"/>
+    <p:sldId id="268" r:id="rId15"/>
   </p:sldIdLst>
   <p:sldSz cx="12192000" cy="6858000"/>
   <p:notesSz cx="6858000" cy="9144000"/>
@@ -120,10 +122,10 @@
   </p:defaultTextStyle>
   <p:extLst>
     <p:ext uri="{EFAFB233-063F-42B5-8137-9DF3F51BA10A}">
-      <p15:sldGuideLst xmlns:p15="http://schemas.microsoft.com/office/powerpoint/2012/main" xmlns=""/>
+      <p15:sldGuideLst xmlns="" xmlns:p15="http://schemas.microsoft.com/office/powerpoint/2012/main"/>
     </p:ext>
     <p:ext uri="{2D200454-40CA-4A62-9FC3-DE9A4176ACB9}">
-      <p15:notesGuideLst xmlns:p15="http://schemas.microsoft.com/office/powerpoint/2012/main" xmlns=""/>
+      <p15:notesGuideLst xmlns="" xmlns:p15="http://schemas.microsoft.com/office/powerpoint/2012/main"/>
     </p:ext>
   </p:extLst>
 </p:presentation>
@@ -156,7 +158,7 @@
           <p:cNvPr id="2" name="Header Placeholder 1">
             <a:extLst>
               <a:ext uri="{FF2B5EF4-FFF2-40B4-BE49-F238E27FC236}">
-                <a16:creationId xmlns:a16="http://schemas.microsoft.com/office/drawing/2014/main" xmlns="" id="{2BC10188-DC2C-458D-AB41-143A0BE9A310}"/>
+                <a16:creationId xmlns="" xmlns:a16="http://schemas.microsoft.com/office/drawing/2014/main" id="{2BC10188-DC2C-458D-AB41-143A0BE9A310}"/>
               </a:ext>
             </a:extLst>
           </p:cNvPr>
@@ -193,7 +195,7 @@
           <p:cNvPr id="3" name="Date Placeholder 2">
             <a:extLst>
               <a:ext uri="{FF2B5EF4-FFF2-40B4-BE49-F238E27FC236}">
-                <a16:creationId xmlns:a16="http://schemas.microsoft.com/office/drawing/2014/main" xmlns="" id="{C9634E15-7196-43FC-B912-C4D8B4A2CE79}"/>
+                <a16:creationId xmlns="" xmlns:a16="http://schemas.microsoft.com/office/drawing/2014/main" id="{C9634E15-7196-43FC-B912-C4D8B4A2CE79}"/>
               </a:ext>
             </a:extLst>
           </p:cNvPr>
@@ -224,7 +226,7 @@
             <a:fld id="{68416927-5E9C-4E77-85FE-EE4C81C1DE39}" type="datetimeFigureOut">
               <a:rPr lang="en-US" smtClean="0"/>
               <a:pPr/>
-              <a:t>4/20/2020</a:t>
+              <a:t>5/3/2020</a:t>
             </a:fld>
             <a:endParaRPr lang="en-US" dirty="0"/>
           </a:p>
@@ -235,7 +237,7 @@
           <p:cNvPr id="4" name="Footer Placeholder 3">
             <a:extLst>
               <a:ext uri="{FF2B5EF4-FFF2-40B4-BE49-F238E27FC236}">
-                <a16:creationId xmlns:a16="http://schemas.microsoft.com/office/drawing/2014/main" xmlns="" id="{89EA2570-D5B6-41CB-96C2-FFC9944668E5}"/>
+                <a16:creationId xmlns="" xmlns:a16="http://schemas.microsoft.com/office/drawing/2014/main" id="{89EA2570-D5B6-41CB-96C2-FFC9944668E5}"/>
               </a:ext>
             </a:extLst>
           </p:cNvPr>
@@ -272,7 +274,7 @@
           <p:cNvPr id="5" name="Slide Number Placeholder 4">
             <a:extLst>
               <a:ext uri="{FF2B5EF4-FFF2-40B4-BE49-F238E27FC236}">
-                <a16:creationId xmlns:a16="http://schemas.microsoft.com/office/drawing/2014/main" xmlns="" id="{15C31B37-7A69-4C30-9B63-29F8242FC246}"/>
+                <a16:creationId xmlns="" xmlns:a16="http://schemas.microsoft.com/office/drawing/2014/main" id="{15C31B37-7A69-4C30-9B63-29F8242FC246}"/>
               </a:ext>
             </a:extLst>
           </p:cNvPr>
@@ -312,7 +314,7 @@
     </p:spTree>
     <p:extLst>
       <p:ext uri="{BB962C8B-B14F-4D97-AF65-F5344CB8AC3E}">
-        <p14:creationId xmlns:p14="http://schemas.microsoft.com/office/powerpoint/2010/main" xmlns="" val="2413100067"/>
+        <p14:creationId xmlns="" xmlns:p14="http://schemas.microsoft.com/office/powerpoint/2010/main" val="2413100067"/>
       </p:ext>
     </p:extLst>
   </p:cSld>
@@ -403,7 +405,7 @@
             <a:fld id="{FA798B7E-6604-4F74-86DB-B30627D56244}" type="datetimeFigureOut">
               <a:rPr lang="en-US" smtClean="0"/>
               <a:pPr/>
-              <a:t>4/20/2020</a:t>
+              <a:t>5/3/2020</a:t>
             </a:fld>
             <a:endParaRPr lang="en-US" dirty="0"/>
           </a:p>
@@ -571,7 +573,7 @@
     </p:spTree>
     <p:extLst>
       <p:ext uri="{BB962C8B-B14F-4D97-AF65-F5344CB8AC3E}">
-        <p14:creationId xmlns:p14="http://schemas.microsoft.com/office/powerpoint/2010/main" xmlns="" val="2075933273"/>
+        <p14:creationId xmlns="" xmlns:p14="http://schemas.microsoft.com/office/powerpoint/2010/main" val="2075933273"/>
       </p:ext>
     </p:extLst>
   </p:cSld>
@@ -693,7 +695,7 @@
           <p:cNvPr id="2" name="Title 1">
             <a:extLst>
               <a:ext uri="{FF2B5EF4-FFF2-40B4-BE49-F238E27FC236}">
-                <a16:creationId xmlns:a16="http://schemas.microsoft.com/office/drawing/2014/main" xmlns="" id="{E5798B13-3B32-4354-B2B5-3165F2F6E65F}"/>
+                <a16:creationId xmlns="" xmlns:a16="http://schemas.microsoft.com/office/drawing/2014/main" id="{E5798B13-3B32-4354-B2B5-3165F2F6E65F}"/>
               </a:ext>
             </a:extLst>
           </p:cNvPr>
@@ -736,7 +738,7 @@
           <p:cNvPr id="4" name="Text Placeholder 3">
             <a:extLst>
               <a:ext uri="{FF2B5EF4-FFF2-40B4-BE49-F238E27FC236}">
-                <a16:creationId xmlns:a16="http://schemas.microsoft.com/office/drawing/2014/main" xmlns="" id="{16BB88CF-DF4F-4857-8602-72BCF5DDCDA1}"/>
+                <a16:creationId xmlns="" xmlns:a16="http://schemas.microsoft.com/office/drawing/2014/main" id="{16BB88CF-DF4F-4857-8602-72BCF5DDCDA1}"/>
               </a:ext>
             </a:extLst>
           </p:cNvPr>
@@ -807,7 +809,7 @@
           <p:cNvPr id="12" name="Straight Connector 11">
             <a:extLst>
               <a:ext uri="{FF2B5EF4-FFF2-40B4-BE49-F238E27FC236}">
-                <a16:creationId xmlns:a16="http://schemas.microsoft.com/office/drawing/2014/main" xmlns="" id="{A7EEBB7C-1679-4665-8688-1FA973E73DC1}"/>
+                <a16:creationId xmlns="" xmlns:a16="http://schemas.microsoft.com/office/drawing/2014/main" id="{A7EEBB7C-1679-4665-8688-1FA973E73DC1}"/>
               </a:ext>
             </a:extLst>
           </p:cNvPr>
@@ -859,7 +861,7 @@
           <p:cNvPr id="7" name="Rectangle 6">
             <a:extLst>
               <a:ext uri="{FF2B5EF4-FFF2-40B4-BE49-F238E27FC236}">
-                <a16:creationId xmlns:a16="http://schemas.microsoft.com/office/drawing/2014/main" xmlns="" id="{F1E3214F-3A93-4A1C-920D-D86BE35A58FB}"/>
+                <a16:creationId xmlns="" xmlns:a16="http://schemas.microsoft.com/office/drawing/2014/main" id="{F1E3214F-3A93-4A1C-920D-D86BE35A58FB}"/>
               </a:ext>
             </a:extLst>
           </p:cNvPr>
@@ -914,7 +916,7 @@
           <p:cNvPr id="3" name="Slide Number Placeholder 2">
             <a:extLst>
               <a:ext uri="{FF2B5EF4-FFF2-40B4-BE49-F238E27FC236}">
-                <a16:creationId xmlns:a16="http://schemas.microsoft.com/office/drawing/2014/main" xmlns="" id="{213E97E5-C83B-444A-8C07-35D699E7C342}"/>
+                <a16:creationId xmlns="" xmlns:a16="http://schemas.microsoft.com/office/drawing/2014/main" id="{213E97E5-C83B-444A-8C07-35D699E7C342}"/>
               </a:ext>
             </a:extLst>
           </p:cNvPr>
@@ -946,7 +948,7 @@
     </p:spTree>
     <p:extLst>
       <p:ext uri="{BB962C8B-B14F-4D97-AF65-F5344CB8AC3E}">
-        <p14:creationId xmlns:p14="http://schemas.microsoft.com/office/powerpoint/2010/main" xmlns="" val="2226532245"/>
+        <p14:creationId xmlns="" xmlns:p14="http://schemas.microsoft.com/office/powerpoint/2010/main" val="2226532245"/>
       </p:ext>
     </p:extLst>
   </p:cSld>
@@ -978,7 +980,7 @@
           <p:cNvPr id="2" name="Title 1">
             <a:extLst>
               <a:ext uri="{FF2B5EF4-FFF2-40B4-BE49-F238E27FC236}">
-                <a16:creationId xmlns:a16="http://schemas.microsoft.com/office/drawing/2014/main" xmlns="" id="{0D1AB651-5612-4E6A-9B35-A555D082EC2F}"/>
+                <a16:creationId xmlns="" xmlns:a16="http://schemas.microsoft.com/office/drawing/2014/main" id="{0D1AB651-5612-4E6A-9B35-A555D082EC2F}"/>
               </a:ext>
             </a:extLst>
           </p:cNvPr>
@@ -1007,7 +1009,7 @@
           <p:cNvPr id="3" name="Content Placeholder 2">
             <a:extLst>
               <a:ext uri="{FF2B5EF4-FFF2-40B4-BE49-F238E27FC236}">
-                <a16:creationId xmlns:a16="http://schemas.microsoft.com/office/drawing/2014/main" xmlns="" id="{881389A2-D77B-40CA-AD1E-0178AEFAD15A}"/>
+                <a16:creationId xmlns="" xmlns:a16="http://schemas.microsoft.com/office/drawing/2014/main" id="{881389A2-D77B-40CA-AD1E-0178AEFAD15A}"/>
               </a:ext>
             </a:extLst>
           </p:cNvPr>
@@ -1088,7 +1090,7 @@
           <p:cNvPr id="4" name="Content Placeholder 3">
             <a:extLst>
               <a:ext uri="{FF2B5EF4-FFF2-40B4-BE49-F238E27FC236}">
-                <a16:creationId xmlns:a16="http://schemas.microsoft.com/office/drawing/2014/main" xmlns="" id="{A1DCA993-CBEA-48C5-BD35-50ABDFF64065}"/>
+                <a16:creationId xmlns="" xmlns:a16="http://schemas.microsoft.com/office/drawing/2014/main" id="{A1DCA993-CBEA-48C5-BD35-50ABDFF64065}"/>
               </a:ext>
             </a:extLst>
           </p:cNvPr>
@@ -1169,7 +1171,7 @@
           <p:cNvPr id="5" name="Slide Number Placeholder 4">
             <a:extLst>
               <a:ext uri="{FF2B5EF4-FFF2-40B4-BE49-F238E27FC236}">
-                <a16:creationId xmlns:a16="http://schemas.microsoft.com/office/drawing/2014/main" xmlns="" id="{B88ED8E0-95EC-469F-9B7E-562FBDFDE6CC}"/>
+                <a16:creationId xmlns="" xmlns:a16="http://schemas.microsoft.com/office/drawing/2014/main" id="{B88ED8E0-95EC-469F-9B7E-562FBDFDE6CC}"/>
               </a:ext>
             </a:extLst>
           </p:cNvPr>
@@ -1201,7 +1203,7 @@
     </p:spTree>
     <p:extLst>
       <p:ext uri="{BB962C8B-B14F-4D97-AF65-F5344CB8AC3E}">
-        <p14:creationId xmlns:p14="http://schemas.microsoft.com/office/powerpoint/2010/main" xmlns="" val="646344805"/>
+        <p14:creationId xmlns="" xmlns:p14="http://schemas.microsoft.com/office/powerpoint/2010/main" val="646344805"/>
       </p:ext>
     </p:extLst>
   </p:cSld>
@@ -1233,7 +1235,7 @@
           <p:cNvPr id="2" name="Title 1">
             <a:extLst>
               <a:ext uri="{FF2B5EF4-FFF2-40B4-BE49-F238E27FC236}">
-                <a16:creationId xmlns:a16="http://schemas.microsoft.com/office/drawing/2014/main" xmlns="" id="{EF776F88-2A37-410D-A685-E455AF3D07B4}"/>
+                <a16:creationId xmlns="" xmlns:a16="http://schemas.microsoft.com/office/drawing/2014/main" id="{EF776F88-2A37-410D-A685-E455AF3D07B4}"/>
               </a:ext>
             </a:extLst>
           </p:cNvPr>
@@ -1267,7 +1269,7 @@
           <p:cNvPr id="3" name="Text Placeholder 2">
             <a:extLst>
               <a:ext uri="{FF2B5EF4-FFF2-40B4-BE49-F238E27FC236}">
-                <a16:creationId xmlns:a16="http://schemas.microsoft.com/office/drawing/2014/main" xmlns="" id="{6C764B46-B015-44F7-8DC0-AFB8D275E486}"/>
+                <a16:creationId xmlns="" xmlns:a16="http://schemas.microsoft.com/office/drawing/2014/main" id="{6C764B46-B015-44F7-8DC0-AFB8D275E486}"/>
               </a:ext>
             </a:extLst>
           </p:cNvPr>
@@ -1338,7 +1340,7 @@
           <p:cNvPr id="4" name="Content Placeholder 3">
             <a:extLst>
               <a:ext uri="{FF2B5EF4-FFF2-40B4-BE49-F238E27FC236}">
-                <a16:creationId xmlns:a16="http://schemas.microsoft.com/office/drawing/2014/main" xmlns="" id="{2D3C8232-2077-497A-9142-B787E2B03A73}"/>
+                <a16:creationId xmlns="" xmlns:a16="http://schemas.microsoft.com/office/drawing/2014/main" id="{2D3C8232-2077-497A-9142-B787E2B03A73}"/>
               </a:ext>
             </a:extLst>
           </p:cNvPr>
@@ -1419,7 +1421,7 @@
           <p:cNvPr id="5" name="Text Placeholder 4">
             <a:extLst>
               <a:ext uri="{FF2B5EF4-FFF2-40B4-BE49-F238E27FC236}">
-                <a16:creationId xmlns:a16="http://schemas.microsoft.com/office/drawing/2014/main" xmlns="" id="{AAF6077C-D913-4FD0-B6E0-6D70BEFD40E6}"/>
+                <a16:creationId xmlns="" xmlns:a16="http://schemas.microsoft.com/office/drawing/2014/main" id="{AAF6077C-D913-4FD0-B6E0-6D70BEFD40E6}"/>
               </a:ext>
             </a:extLst>
           </p:cNvPr>
@@ -1490,7 +1492,7 @@
           <p:cNvPr id="6" name="Content Placeholder 5">
             <a:extLst>
               <a:ext uri="{FF2B5EF4-FFF2-40B4-BE49-F238E27FC236}">
-                <a16:creationId xmlns:a16="http://schemas.microsoft.com/office/drawing/2014/main" xmlns="" id="{43905DBB-3AA9-4435-AC97-732293FDE7EF}"/>
+                <a16:creationId xmlns="" xmlns:a16="http://schemas.microsoft.com/office/drawing/2014/main" id="{43905DBB-3AA9-4435-AC97-732293FDE7EF}"/>
               </a:ext>
             </a:extLst>
           </p:cNvPr>
@@ -1571,7 +1573,7 @@
           <p:cNvPr id="7" name="Slide Number Placeholder 6">
             <a:extLst>
               <a:ext uri="{FF2B5EF4-FFF2-40B4-BE49-F238E27FC236}">
-                <a16:creationId xmlns:a16="http://schemas.microsoft.com/office/drawing/2014/main" xmlns="" id="{1954C901-FCAF-4DFB-A621-6A969641CA73}"/>
+                <a16:creationId xmlns="" xmlns:a16="http://schemas.microsoft.com/office/drawing/2014/main" id="{1954C901-FCAF-4DFB-A621-6A969641CA73}"/>
               </a:ext>
             </a:extLst>
           </p:cNvPr>
@@ -1603,7 +1605,7 @@
     </p:spTree>
     <p:extLst>
       <p:ext uri="{BB962C8B-B14F-4D97-AF65-F5344CB8AC3E}">
-        <p14:creationId xmlns:p14="http://schemas.microsoft.com/office/powerpoint/2010/main" xmlns="" val="2292145525"/>
+        <p14:creationId xmlns="" xmlns:p14="http://schemas.microsoft.com/office/powerpoint/2010/main" val="2292145525"/>
       </p:ext>
     </p:extLst>
   </p:cSld>
@@ -1635,7 +1637,7 @@
           <p:cNvPr id="2" name="Title 1">
             <a:extLst>
               <a:ext uri="{FF2B5EF4-FFF2-40B4-BE49-F238E27FC236}">
-                <a16:creationId xmlns:a16="http://schemas.microsoft.com/office/drawing/2014/main" xmlns="" id="{99AF2623-2255-4BBA-9577-B3A3FD2AE8E8}"/>
+                <a16:creationId xmlns="" xmlns:a16="http://schemas.microsoft.com/office/drawing/2014/main" id="{99AF2623-2255-4BBA-9577-B3A3FD2AE8E8}"/>
               </a:ext>
             </a:extLst>
           </p:cNvPr>
@@ -1664,7 +1666,7 @@
           <p:cNvPr id="3" name="Slide Number Placeholder 2">
             <a:extLst>
               <a:ext uri="{FF2B5EF4-FFF2-40B4-BE49-F238E27FC236}">
-                <a16:creationId xmlns:a16="http://schemas.microsoft.com/office/drawing/2014/main" xmlns="" id="{5259F0F0-5E7C-4FC9-8E90-6ADCD7A714B6}"/>
+                <a16:creationId xmlns="" xmlns:a16="http://schemas.microsoft.com/office/drawing/2014/main" id="{5259F0F0-5E7C-4FC9-8E90-6ADCD7A714B6}"/>
               </a:ext>
             </a:extLst>
           </p:cNvPr>
@@ -1696,7 +1698,7 @@
     </p:spTree>
     <p:extLst>
       <p:ext uri="{BB962C8B-B14F-4D97-AF65-F5344CB8AC3E}">
-        <p14:creationId xmlns:p14="http://schemas.microsoft.com/office/powerpoint/2010/main" xmlns="" val="3105532259"/>
+        <p14:creationId xmlns="" xmlns:p14="http://schemas.microsoft.com/office/powerpoint/2010/main" val="3105532259"/>
       </p:ext>
     </p:extLst>
   </p:cSld>
@@ -1728,7 +1730,7 @@
           <p:cNvPr id="2" name="Slide Number Placeholder 1">
             <a:extLst>
               <a:ext uri="{FF2B5EF4-FFF2-40B4-BE49-F238E27FC236}">
-                <a16:creationId xmlns:a16="http://schemas.microsoft.com/office/drawing/2014/main" xmlns="" id="{0A9D3FFB-BE14-4D90-A515-10EDD1BEE6F1}"/>
+                <a16:creationId xmlns="" xmlns:a16="http://schemas.microsoft.com/office/drawing/2014/main" id="{0A9D3FFB-BE14-4D90-A515-10EDD1BEE6F1}"/>
               </a:ext>
             </a:extLst>
           </p:cNvPr>
@@ -1760,7 +1762,7 @@
     </p:spTree>
     <p:extLst>
       <p:ext uri="{BB962C8B-B14F-4D97-AF65-F5344CB8AC3E}">
-        <p14:creationId xmlns:p14="http://schemas.microsoft.com/office/powerpoint/2010/main" xmlns="" val="3627673970"/>
+        <p14:creationId xmlns="" xmlns:p14="http://schemas.microsoft.com/office/powerpoint/2010/main" val="3627673970"/>
       </p:ext>
     </p:extLst>
   </p:cSld>
@@ -1792,7 +1794,7 @@
           <p:cNvPr id="2" name="Title 1">
             <a:extLst>
               <a:ext uri="{FF2B5EF4-FFF2-40B4-BE49-F238E27FC236}">
-                <a16:creationId xmlns:a16="http://schemas.microsoft.com/office/drawing/2014/main" xmlns="" id="{A2451E51-BE82-4B1B-9CB6-89C26464DBE2}"/>
+                <a16:creationId xmlns="" xmlns:a16="http://schemas.microsoft.com/office/drawing/2014/main" id="{A2451E51-BE82-4B1B-9CB6-89C26464DBE2}"/>
               </a:ext>
             </a:extLst>
           </p:cNvPr>
@@ -1830,7 +1832,7 @@
           <p:cNvPr id="3" name="Content Placeholder 2">
             <a:extLst>
               <a:ext uri="{FF2B5EF4-FFF2-40B4-BE49-F238E27FC236}">
-                <a16:creationId xmlns:a16="http://schemas.microsoft.com/office/drawing/2014/main" xmlns="" id="{04CCBF8C-3CF7-47E6-9AB0-15584178B449}"/>
+                <a16:creationId xmlns="" xmlns:a16="http://schemas.microsoft.com/office/drawing/2014/main" id="{04CCBF8C-3CF7-47E6-9AB0-15584178B449}"/>
               </a:ext>
             </a:extLst>
           </p:cNvPr>
@@ -1921,7 +1923,7 @@
           <p:cNvPr id="4" name="Text Placeholder 3">
             <a:extLst>
               <a:ext uri="{FF2B5EF4-FFF2-40B4-BE49-F238E27FC236}">
-                <a16:creationId xmlns:a16="http://schemas.microsoft.com/office/drawing/2014/main" xmlns="" id="{3D07DA3C-0298-45CF-AFC3-41031C0763E3}"/>
+                <a16:creationId xmlns="" xmlns:a16="http://schemas.microsoft.com/office/drawing/2014/main" id="{3D07DA3C-0298-45CF-AFC3-41031C0763E3}"/>
               </a:ext>
             </a:extLst>
           </p:cNvPr>
@@ -1992,7 +1994,7 @@
           <p:cNvPr id="5" name="Slide Number Placeholder 4">
             <a:extLst>
               <a:ext uri="{FF2B5EF4-FFF2-40B4-BE49-F238E27FC236}">
-                <a16:creationId xmlns:a16="http://schemas.microsoft.com/office/drawing/2014/main" xmlns="" id="{F7C4FF87-D01E-416B-9EF8-E107C4EDDC42}"/>
+                <a16:creationId xmlns="" xmlns:a16="http://schemas.microsoft.com/office/drawing/2014/main" id="{F7C4FF87-D01E-416B-9EF8-E107C4EDDC42}"/>
               </a:ext>
             </a:extLst>
           </p:cNvPr>
@@ -2024,7 +2026,7 @@
     </p:spTree>
     <p:extLst>
       <p:ext uri="{BB962C8B-B14F-4D97-AF65-F5344CB8AC3E}">
-        <p14:creationId xmlns:p14="http://schemas.microsoft.com/office/powerpoint/2010/main" xmlns="" val="398533459"/>
+        <p14:creationId xmlns="" xmlns:p14="http://schemas.microsoft.com/office/powerpoint/2010/main" val="398533459"/>
       </p:ext>
     </p:extLst>
   </p:cSld>
@@ -2056,7 +2058,7 @@
           <p:cNvPr id="2" name="Title 1">
             <a:extLst>
               <a:ext uri="{FF2B5EF4-FFF2-40B4-BE49-F238E27FC236}">
-                <a16:creationId xmlns:a16="http://schemas.microsoft.com/office/drawing/2014/main" xmlns="" id="{E5798B13-3B32-4354-B2B5-3165F2F6E65F}"/>
+                <a16:creationId xmlns="" xmlns:a16="http://schemas.microsoft.com/office/drawing/2014/main" id="{E5798B13-3B32-4354-B2B5-3165F2F6E65F}"/>
               </a:ext>
             </a:extLst>
           </p:cNvPr>
@@ -2099,7 +2101,7 @@
           <p:cNvPr id="4" name="Text Placeholder 3">
             <a:extLst>
               <a:ext uri="{FF2B5EF4-FFF2-40B4-BE49-F238E27FC236}">
-                <a16:creationId xmlns:a16="http://schemas.microsoft.com/office/drawing/2014/main" xmlns="" id="{16BB88CF-DF4F-4857-8602-72BCF5DDCDA1}"/>
+                <a16:creationId xmlns="" xmlns:a16="http://schemas.microsoft.com/office/drawing/2014/main" id="{16BB88CF-DF4F-4857-8602-72BCF5DDCDA1}"/>
               </a:ext>
             </a:extLst>
           </p:cNvPr>
@@ -2170,7 +2172,7 @@
           <p:cNvPr id="12" name="Straight Connector 11">
             <a:extLst>
               <a:ext uri="{FF2B5EF4-FFF2-40B4-BE49-F238E27FC236}">
-                <a16:creationId xmlns:a16="http://schemas.microsoft.com/office/drawing/2014/main" xmlns="" id="{A7EEBB7C-1679-4665-8688-1FA973E73DC1}"/>
+                <a16:creationId xmlns="" xmlns:a16="http://schemas.microsoft.com/office/drawing/2014/main" id="{A7EEBB7C-1679-4665-8688-1FA973E73DC1}"/>
               </a:ext>
             </a:extLst>
           </p:cNvPr>
@@ -2222,7 +2224,7 @@
           <p:cNvPr id="7" name="Rectangle 6">
             <a:extLst>
               <a:ext uri="{FF2B5EF4-FFF2-40B4-BE49-F238E27FC236}">
-                <a16:creationId xmlns:a16="http://schemas.microsoft.com/office/drawing/2014/main" xmlns="" id="{F1E3214F-3A93-4A1C-920D-D86BE35A58FB}"/>
+                <a16:creationId xmlns="" xmlns:a16="http://schemas.microsoft.com/office/drawing/2014/main" id="{F1E3214F-3A93-4A1C-920D-D86BE35A58FB}"/>
               </a:ext>
             </a:extLst>
           </p:cNvPr>
@@ -2277,7 +2279,7 @@
           <p:cNvPr id="3" name="Slide Number Placeholder 2">
             <a:extLst>
               <a:ext uri="{FF2B5EF4-FFF2-40B4-BE49-F238E27FC236}">
-                <a16:creationId xmlns:a16="http://schemas.microsoft.com/office/drawing/2014/main" xmlns="" id="{213E97E5-C83B-444A-8C07-35D699E7C342}"/>
+                <a16:creationId xmlns="" xmlns:a16="http://schemas.microsoft.com/office/drawing/2014/main" id="{213E97E5-C83B-444A-8C07-35D699E7C342}"/>
               </a:ext>
             </a:extLst>
           </p:cNvPr>
@@ -2311,7 +2313,7 @@
           <p:cNvPr id="8" name="Picture Placeholder 2">
             <a:extLst>
               <a:ext uri="{FF2B5EF4-FFF2-40B4-BE49-F238E27FC236}">
-                <a16:creationId xmlns:a16="http://schemas.microsoft.com/office/drawing/2014/main" xmlns="" id="{2641ECAC-0557-4843-8433-067E4414E2F5}"/>
+                <a16:creationId xmlns="" xmlns:a16="http://schemas.microsoft.com/office/drawing/2014/main" id="{2641ECAC-0557-4843-8433-067E4414E2F5}"/>
               </a:ext>
             </a:extLst>
           </p:cNvPr>
@@ -2387,7 +2389,7 @@
     </p:spTree>
     <p:extLst>
       <p:ext uri="{BB962C8B-B14F-4D97-AF65-F5344CB8AC3E}">
-        <p14:creationId xmlns:p14="http://schemas.microsoft.com/office/powerpoint/2010/main" xmlns="" val="3394383312"/>
+        <p14:creationId xmlns="" xmlns:p14="http://schemas.microsoft.com/office/powerpoint/2010/main" val="3394383312"/>
       </p:ext>
     </p:extLst>
   </p:cSld>
@@ -2430,7 +2432,7 @@
           <p:cNvPr id="2" name="Title 1">
             <a:extLst>
               <a:ext uri="{FF2B5EF4-FFF2-40B4-BE49-F238E27FC236}">
-                <a16:creationId xmlns:a16="http://schemas.microsoft.com/office/drawing/2014/main" xmlns="" id="{FE91AD08-4E28-4191-9B62-EAD61608E5CF}"/>
+                <a16:creationId xmlns="" xmlns:a16="http://schemas.microsoft.com/office/drawing/2014/main" id="{FE91AD08-4E28-4191-9B62-EAD61608E5CF}"/>
               </a:ext>
             </a:extLst>
           </p:cNvPr>
@@ -2478,7 +2480,7 @@
           <p:cNvPr id="3" name="Content Placeholder 2">
             <a:extLst>
               <a:ext uri="{FF2B5EF4-FFF2-40B4-BE49-F238E27FC236}">
-                <a16:creationId xmlns:a16="http://schemas.microsoft.com/office/drawing/2014/main" xmlns="" id="{90BF853D-76DB-46F3-AF6C-1E77C8E06AA9}"/>
+                <a16:creationId xmlns="" xmlns:a16="http://schemas.microsoft.com/office/drawing/2014/main" id="{90BF853D-76DB-46F3-AF6C-1E77C8E06AA9}"/>
               </a:ext>
             </a:extLst>
           </p:cNvPr>
@@ -2559,7 +2561,7 @@
           <p:cNvPr id="4" name="Slide Number Placeholder 3">
             <a:extLst>
               <a:ext uri="{FF2B5EF4-FFF2-40B4-BE49-F238E27FC236}">
-                <a16:creationId xmlns:a16="http://schemas.microsoft.com/office/drawing/2014/main" xmlns="" id="{0660D61A-B9FD-4DFF-AC42-4069DAFE238C}"/>
+                <a16:creationId xmlns="" xmlns:a16="http://schemas.microsoft.com/office/drawing/2014/main" id="{0660D61A-B9FD-4DFF-AC42-4069DAFE238C}"/>
               </a:ext>
             </a:extLst>
           </p:cNvPr>
@@ -2591,7 +2593,7 @@
     </p:spTree>
     <p:extLst>
       <p:ext uri="{BB962C8B-B14F-4D97-AF65-F5344CB8AC3E}">
-        <p14:creationId xmlns:p14="http://schemas.microsoft.com/office/powerpoint/2010/main" xmlns="" val="3839236654"/>
+        <p14:creationId xmlns="" xmlns:p14="http://schemas.microsoft.com/office/powerpoint/2010/main" val="3839236654"/>
       </p:ext>
     </p:extLst>
   </p:cSld>
@@ -2634,7 +2636,7 @@
           <p:cNvPr id="2" name="Title 1">
             <a:extLst>
               <a:ext uri="{FF2B5EF4-FFF2-40B4-BE49-F238E27FC236}">
-                <a16:creationId xmlns:a16="http://schemas.microsoft.com/office/drawing/2014/main" xmlns="" id="{FE91AD08-4E28-4191-9B62-EAD61608E5CF}"/>
+                <a16:creationId xmlns="" xmlns:a16="http://schemas.microsoft.com/office/drawing/2014/main" id="{FE91AD08-4E28-4191-9B62-EAD61608E5CF}"/>
               </a:ext>
             </a:extLst>
           </p:cNvPr>
@@ -2684,7 +2686,7 @@
           <p:cNvPr id="3" name="Content Placeholder 2">
             <a:extLst>
               <a:ext uri="{FF2B5EF4-FFF2-40B4-BE49-F238E27FC236}">
-                <a16:creationId xmlns:a16="http://schemas.microsoft.com/office/drawing/2014/main" xmlns="" id="{90BF853D-76DB-46F3-AF6C-1E77C8E06AA9}"/>
+                <a16:creationId xmlns="" xmlns:a16="http://schemas.microsoft.com/office/drawing/2014/main" id="{90BF853D-76DB-46F3-AF6C-1E77C8E06AA9}"/>
               </a:ext>
             </a:extLst>
           </p:cNvPr>
@@ -2765,7 +2767,7 @@
           <p:cNvPr id="4" name="Slide Number Placeholder 3">
             <a:extLst>
               <a:ext uri="{FF2B5EF4-FFF2-40B4-BE49-F238E27FC236}">
-                <a16:creationId xmlns:a16="http://schemas.microsoft.com/office/drawing/2014/main" xmlns="" id="{0660D61A-B9FD-4DFF-AC42-4069DAFE238C}"/>
+                <a16:creationId xmlns="" xmlns:a16="http://schemas.microsoft.com/office/drawing/2014/main" id="{0660D61A-B9FD-4DFF-AC42-4069DAFE238C}"/>
               </a:ext>
             </a:extLst>
           </p:cNvPr>
@@ -2797,7 +2799,7 @@
     </p:spTree>
     <p:extLst>
       <p:ext uri="{BB962C8B-B14F-4D97-AF65-F5344CB8AC3E}">
-        <p14:creationId xmlns:p14="http://schemas.microsoft.com/office/powerpoint/2010/main" xmlns="" val="1594571051"/>
+        <p14:creationId xmlns="" xmlns:p14="http://schemas.microsoft.com/office/powerpoint/2010/main" val="1594571051"/>
       </p:ext>
     </p:extLst>
   </p:cSld>
@@ -2829,7 +2831,7 @@
           <p:cNvPr id="7" name="Picture Placeholder 2">
             <a:extLst>
               <a:ext uri="{FF2B5EF4-FFF2-40B4-BE49-F238E27FC236}">
-                <a16:creationId xmlns:a16="http://schemas.microsoft.com/office/drawing/2014/main" xmlns="" id="{6D3C5ED2-B01D-4104-B193-BC78D76A4646}"/>
+                <a16:creationId xmlns="" xmlns:a16="http://schemas.microsoft.com/office/drawing/2014/main" id="{6D3C5ED2-B01D-4104-B193-BC78D76A4646}"/>
               </a:ext>
             </a:extLst>
           </p:cNvPr>
@@ -2902,7 +2904,7 @@
           <p:cNvPr id="2" name="Title 1">
             <a:extLst>
               <a:ext uri="{FF2B5EF4-FFF2-40B4-BE49-F238E27FC236}">
-                <a16:creationId xmlns:a16="http://schemas.microsoft.com/office/drawing/2014/main" xmlns="" id="{FE91AD08-4E28-4191-9B62-EAD61608E5CF}"/>
+                <a16:creationId xmlns="" xmlns:a16="http://schemas.microsoft.com/office/drawing/2014/main" id="{FE91AD08-4E28-4191-9B62-EAD61608E5CF}"/>
               </a:ext>
             </a:extLst>
           </p:cNvPr>
@@ -2949,7 +2951,7 @@
           <p:cNvPr id="3" name="Content Placeholder 2">
             <a:extLst>
               <a:ext uri="{FF2B5EF4-FFF2-40B4-BE49-F238E27FC236}">
-                <a16:creationId xmlns:a16="http://schemas.microsoft.com/office/drawing/2014/main" xmlns="" id="{90BF853D-76DB-46F3-AF6C-1E77C8E06AA9}"/>
+                <a16:creationId xmlns="" xmlns:a16="http://schemas.microsoft.com/office/drawing/2014/main" id="{90BF853D-76DB-46F3-AF6C-1E77C8E06AA9}"/>
               </a:ext>
             </a:extLst>
           </p:cNvPr>
@@ -3030,7 +3032,7 @@
           <p:cNvPr id="4" name="Slide Number Placeholder 3">
             <a:extLst>
               <a:ext uri="{FF2B5EF4-FFF2-40B4-BE49-F238E27FC236}">
-                <a16:creationId xmlns:a16="http://schemas.microsoft.com/office/drawing/2014/main" xmlns="" id="{0660D61A-B9FD-4DFF-AC42-4069DAFE238C}"/>
+                <a16:creationId xmlns="" xmlns:a16="http://schemas.microsoft.com/office/drawing/2014/main" id="{0660D61A-B9FD-4DFF-AC42-4069DAFE238C}"/>
               </a:ext>
             </a:extLst>
           </p:cNvPr>
@@ -3067,7 +3069,7 @@
     </p:spTree>
     <p:extLst>
       <p:ext uri="{BB962C8B-B14F-4D97-AF65-F5344CB8AC3E}">
-        <p14:creationId xmlns:p14="http://schemas.microsoft.com/office/powerpoint/2010/main" xmlns="" val="1797904098"/>
+        <p14:creationId xmlns="" xmlns:p14="http://schemas.microsoft.com/office/powerpoint/2010/main" val="1797904098"/>
       </p:ext>
     </p:extLst>
   </p:cSld>
@@ -3099,7 +3101,7 @@
           <p:cNvPr id="2" name="Title 1">
             <a:extLst>
               <a:ext uri="{FF2B5EF4-FFF2-40B4-BE49-F238E27FC236}">
-                <a16:creationId xmlns:a16="http://schemas.microsoft.com/office/drawing/2014/main" xmlns="" id="{FE91AD08-4E28-4191-9B62-EAD61608E5CF}"/>
+                <a16:creationId xmlns="" xmlns:a16="http://schemas.microsoft.com/office/drawing/2014/main" id="{FE91AD08-4E28-4191-9B62-EAD61608E5CF}"/>
               </a:ext>
             </a:extLst>
           </p:cNvPr>
@@ -3159,7 +3161,7 @@
           <p:cNvPr id="3" name="Content Placeholder 2">
             <a:extLst>
               <a:ext uri="{FF2B5EF4-FFF2-40B4-BE49-F238E27FC236}">
-                <a16:creationId xmlns:a16="http://schemas.microsoft.com/office/drawing/2014/main" xmlns="" id="{90BF853D-76DB-46F3-AF6C-1E77C8E06AA9}"/>
+                <a16:creationId xmlns="" xmlns:a16="http://schemas.microsoft.com/office/drawing/2014/main" id="{90BF853D-76DB-46F3-AF6C-1E77C8E06AA9}"/>
               </a:ext>
             </a:extLst>
           </p:cNvPr>
@@ -3240,7 +3242,7 @@
           <p:cNvPr id="14" name="Slide Number Placeholder 13">
             <a:extLst>
               <a:ext uri="{FF2B5EF4-FFF2-40B4-BE49-F238E27FC236}">
-                <a16:creationId xmlns:a16="http://schemas.microsoft.com/office/drawing/2014/main" xmlns="" id="{7746CAFB-2B99-470B-B55B-9BF378E3A04B}"/>
+                <a16:creationId xmlns="" xmlns:a16="http://schemas.microsoft.com/office/drawing/2014/main" id="{7746CAFB-2B99-470B-B55B-9BF378E3A04B}"/>
               </a:ext>
             </a:extLst>
           </p:cNvPr>
@@ -3272,7 +3274,7 @@
     </p:spTree>
     <p:extLst>
       <p:ext uri="{BB962C8B-B14F-4D97-AF65-F5344CB8AC3E}">
-        <p14:creationId xmlns:p14="http://schemas.microsoft.com/office/powerpoint/2010/main" xmlns="" val="1160496352"/>
+        <p14:creationId xmlns="" xmlns:p14="http://schemas.microsoft.com/office/powerpoint/2010/main" val="1160496352"/>
       </p:ext>
     </p:extLst>
   </p:cSld>
@@ -3304,7 +3306,7 @@
           <p:cNvPr id="17" name="Title 16">
             <a:extLst>
               <a:ext uri="{FF2B5EF4-FFF2-40B4-BE49-F238E27FC236}">
-                <a16:creationId xmlns:a16="http://schemas.microsoft.com/office/drawing/2014/main" xmlns="" id="{65237DA4-112F-40B2-8C8C-EB23506D9C45}"/>
+                <a16:creationId xmlns="" xmlns:a16="http://schemas.microsoft.com/office/drawing/2014/main" id="{65237DA4-112F-40B2-8C8C-EB23506D9C45}"/>
               </a:ext>
             </a:extLst>
           </p:cNvPr>
@@ -3363,7 +3365,7 @@
           <p:cNvPr id="3" name="Content Placeholder 2">
             <a:extLst>
               <a:ext uri="{FF2B5EF4-FFF2-40B4-BE49-F238E27FC236}">
-                <a16:creationId xmlns:a16="http://schemas.microsoft.com/office/drawing/2014/main" xmlns="" id="{90BF853D-76DB-46F3-AF6C-1E77C8E06AA9}"/>
+                <a16:creationId xmlns="" xmlns:a16="http://schemas.microsoft.com/office/drawing/2014/main" id="{90BF853D-76DB-46F3-AF6C-1E77C8E06AA9}"/>
               </a:ext>
             </a:extLst>
           </p:cNvPr>
@@ -3426,7 +3428,7 @@
           <p:cNvPr id="14" name="Slide Number Placeholder 13">
             <a:extLst>
               <a:ext uri="{FF2B5EF4-FFF2-40B4-BE49-F238E27FC236}">
-                <a16:creationId xmlns:a16="http://schemas.microsoft.com/office/drawing/2014/main" xmlns="" id="{7746CAFB-2B99-470B-B55B-9BF378E3A04B}"/>
+                <a16:creationId xmlns="" xmlns:a16="http://schemas.microsoft.com/office/drawing/2014/main" id="{7746CAFB-2B99-470B-B55B-9BF378E3A04B}"/>
               </a:ext>
             </a:extLst>
           </p:cNvPr>
@@ -3475,7 +3477,7 @@
     </p:spTree>
     <p:extLst>
       <p:ext uri="{BB962C8B-B14F-4D97-AF65-F5344CB8AC3E}">
-        <p14:creationId xmlns:p14="http://schemas.microsoft.com/office/powerpoint/2010/main" xmlns="" val="364498605"/>
+        <p14:creationId xmlns="" xmlns:p14="http://schemas.microsoft.com/office/powerpoint/2010/main" val="364498605"/>
       </p:ext>
     </p:extLst>
   </p:cSld>
@@ -3507,7 +3509,7 @@
           <p:cNvPr id="4" name="Slide Number Placeholder 3">
             <a:extLst>
               <a:ext uri="{FF2B5EF4-FFF2-40B4-BE49-F238E27FC236}">
-                <a16:creationId xmlns:a16="http://schemas.microsoft.com/office/drawing/2014/main" xmlns="" id="{0660D61A-B9FD-4DFF-AC42-4069DAFE238C}"/>
+                <a16:creationId xmlns="" xmlns:a16="http://schemas.microsoft.com/office/drawing/2014/main" id="{0660D61A-B9FD-4DFF-AC42-4069DAFE238C}"/>
               </a:ext>
             </a:extLst>
           </p:cNvPr>
@@ -3541,7 +3543,7 @@
           <p:cNvPr id="5" name="Content Placeholder 2">
             <a:extLst>
               <a:ext uri="{FF2B5EF4-FFF2-40B4-BE49-F238E27FC236}">
-                <a16:creationId xmlns:a16="http://schemas.microsoft.com/office/drawing/2014/main" xmlns="" id="{D68E6EF2-4B2F-4D0D-9505-CE92872972F7}"/>
+                <a16:creationId xmlns="" xmlns:a16="http://schemas.microsoft.com/office/drawing/2014/main" id="{D68E6EF2-4B2F-4D0D-9505-CE92872972F7}"/>
               </a:ext>
             </a:extLst>
           </p:cNvPr>
@@ -3604,7 +3606,7 @@
           <p:cNvPr id="6" name="Title 1">
             <a:extLst>
               <a:ext uri="{FF2B5EF4-FFF2-40B4-BE49-F238E27FC236}">
-                <a16:creationId xmlns:a16="http://schemas.microsoft.com/office/drawing/2014/main" xmlns="" id="{D91A21B9-BA54-413B-940E-027C32E4D429}"/>
+                <a16:creationId xmlns="" xmlns:a16="http://schemas.microsoft.com/office/drawing/2014/main" id="{D91A21B9-BA54-413B-940E-027C32E4D429}"/>
               </a:ext>
             </a:extLst>
           </p:cNvPr>
@@ -3650,7 +3652,7 @@
     </p:spTree>
     <p:extLst>
       <p:ext uri="{BB962C8B-B14F-4D97-AF65-F5344CB8AC3E}">
-        <p14:creationId xmlns:p14="http://schemas.microsoft.com/office/powerpoint/2010/main" xmlns="" val="3610051244"/>
+        <p14:creationId xmlns="" xmlns:p14="http://schemas.microsoft.com/office/powerpoint/2010/main" val="3610051244"/>
       </p:ext>
     </p:extLst>
   </p:cSld>
@@ -3682,7 +3684,7 @@
           <p:cNvPr id="2" name="Title 1">
             <a:extLst>
               <a:ext uri="{FF2B5EF4-FFF2-40B4-BE49-F238E27FC236}">
-                <a16:creationId xmlns:a16="http://schemas.microsoft.com/office/drawing/2014/main" xmlns="" id="{9722BDA7-8BE9-42D5-ACF1-0F51423A206E}"/>
+                <a16:creationId xmlns="" xmlns:a16="http://schemas.microsoft.com/office/drawing/2014/main" id="{9722BDA7-8BE9-42D5-ACF1-0F51423A206E}"/>
               </a:ext>
             </a:extLst>
           </p:cNvPr>
@@ -3720,7 +3722,7 @@
           <p:cNvPr id="3" name="Text Placeholder 2">
             <a:extLst>
               <a:ext uri="{FF2B5EF4-FFF2-40B4-BE49-F238E27FC236}">
-                <a16:creationId xmlns:a16="http://schemas.microsoft.com/office/drawing/2014/main" xmlns="" id="{71CEF73F-3CCA-4312-8E9C-2B4629DA1F66}"/>
+                <a16:creationId xmlns="" xmlns:a16="http://schemas.microsoft.com/office/drawing/2014/main" id="{71CEF73F-3CCA-4312-8E9C-2B4629DA1F66}"/>
               </a:ext>
             </a:extLst>
           </p:cNvPr>
@@ -3845,7 +3847,7 @@
           <p:cNvPr id="4" name="Slide Number Placeholder 3">
             <a:extLst>
               <a:ext uri="{FF2B5EF4-FFF2-40B4-BE49-F238E27FC236}">
-                <a16:creationId xmlns:a16="http://schemas.microsoft.com/office/drawing/2014/main" xmlns="" id="{293BF716-502C-4821-A3A0-19C2C508EED1}"/>
+                <a16:creationId xmlns="" xmlns:a16="http://schemas.microsoft.com/office/drawing/2014/main" id="{293BF716-502C-4821-A3A0-19C2C508EED1}"/>
               </a:ext>
             </a:extLst>
           </p:cNvPr>
@@ -3877,7 +3879,7 @@
     </p:spTree>
     <p:extLst>
       <p:ext uri="{BB962C8B-B14F-4D97-AF65-F5344CB8AC3E}">
-        <p14:creationId xmlns:p14="http://schemas.microsoft.com/office/powerpoint/2010/main" xmlns="" val="2665983131"/>
+        <p14:creationId xmlns="" xmlns:p14="http://schemas.microsoft.com/office/powerpoint/2010/main" val="2665983131"/>
       </p:ext>
     </p:extLst>
   </p:cSld>
@@ -3920,7 +3922,7 @@
           <p:cNvPr id="5" name="Picture 4">
             <a:extLst>
               <a:ext uri="{FF2B5EF4-FFF2-40B4-BE49-F238E27FC236}">
-                <a16:creationId xmlns:a16="http://schemas.microsoft.com/office/drawing/2014/main" xmlns="" id="{448E4AFE-E166-4B84-B0C8-9205038D8033}"/>
+                <a16:creationId xmlns="" xmlns:a16="http://schemas.microsoft.com/office/drawing/2014/main" id="{448E4AFE-E166-4B84-B0C8-9205038D8033}"/>
               </a:ext>
             </a:extLst>
           </p:cNvPr>
@@ -3933,7 +3935,7 @@
           <a:blip r:embed="rId16" cstate="screen">
             <a:extLst>
               <a:ext uri="{28A0092B-C50C-407E-A947-70E740481C1C}">
-                <a14:useLocalDpi xmlns:a14="http://schemas.microsoft.com/office/drawing/2010/main" xmlns=""/>
+                <a14:useLocalDpi xmlns="" xmlns:a14="http://schemas.microsoft.com/office/drawing/2010/main"/>
               </a:ext>
             </a:extLst>
           </a:blip>
@@ -3956,7 +3958,7 @@
           <p:cNvPr id="2" name="Title Placeholder 1">
             <a:extLst>
               <a:ext uri="{FF2B5EF4-FFF2-40B4-BE49-F238E27FC236}">
-                <a16:creationId xmlns:a16="http://schemas.microsoft.com/office/drawing/2014/main" xmlns="" id="{6C617517-B672-49BA-AC6E-AB66D0639A58}"/>
+                <a16:creationId xmlns="" xmlns:a16="http://schemas.microsoft.com/office/drawing/2014/main" id="{6C617517-B672-49BA-AC6E-AB66D0639A58}"/>
               </a:ext>
             </a:extLst>
           </p:cNvPr>
@@ -3995,7 +3997,7 @@
           <p:cNvPr id="3" name="Text Placeholder 2">
             <a:extLst>
               <a:ext uri="{FF2B5EF4-FFF2-40B4-BE49-F238E27FC236}">
-                <a16:creationId xmlns:a16="http://schemas.microsoft.com/office/drawing/2014/main" xmlns="" id="{6EC92C27-7843-4B22-9200-B7304E6AE4CD}"/>
+                <a16:creationId xmlns="" xmlns:a16="http://schemas.microsoft.com/office/drawing/2014/main" id="{6EC92C27-7843-4B22-9200-B7304E6AE4CD}"/>
               </a:ext>
             </a:extLst>
           </p:cNvPr>
@@ -4063,7 +4065,7 @@
           <p:cNvPr id="6" name="Slide Number Placeholder 5">
             <a:extLst>
               <a:ext uri="{FF2B5EF4-FFF2-40B4-BE49-F238E27FC236}">
-                <a16:creationId xmlns:a16="http://schemas.microsoft.com/office/drawing/2014/main" xmlns="" id="{52DB4F10-F75B-41A8-B994-BFF68949E59A}"/>
+                <a16:creationId xmlns="" xmlns:a16="http://schemas.microsoft.com/office/drawing/2014/main" id="{52DB4F10-F75B-41A8-B994-BFF68949E59A}"/>
               </a:ext>
             </a:extLst>
           </p:cNvPr>
@@ -4119,7 +4121,7 @@
           <p:cNvPr id="7" name="Rectangle 6">
             <a:extLst>
               <a:ext uri="{FF2B5EF4-FFF2-40B4-BE49-F238E27FC236}">
-                <a16:creationId xmlns:a16="http://schemas.microsoft.com/office/drawing/2014/main" xmlns="" id="{512D21E2-8DEB-4F43-A26E-B8DA900A9230}"/>
+                <a16:creationId xmlns="" xmlns:a16="http://schemas.microsoft.com/office/drawing/2014/main" id="{512D21E2-8DEB-4F43-A26E-B8DA900A9230}"/>
               </a:ext>
             </a:extLst>
           </p:cNvPr>
@@ -4182,7 +4184,7 @@
           <p:cNvPr id="8" name="Rectangle 7">
             <a:extLst>
               <a:ext uri="{FF2B5EF4-FFF2-40B4-BE49-F238E27FC236}">
-                <a16:creationId xmlns:a16="http://schemas.microsoft.com/office/drawing/2014/main" xmlns="" id="{35CD3143-7FD1-40EA-AA4A-47C72380AEC2}"/>
+                <a16:creationId xmlns="" xmlns:a16="http://schemas.microsoft.com/office/drawing/2014/main" id="{35CD3143-7FD1-40EA-AA4A-47C72380AEC2}"/>
               </a:ext>
             </a:extLst>
           </p:cNvPr>
@@ -4232,7 +4234,7 @@
     </p:spTree>
     <p:extLst>
       <p:ext uri="{BB962C8B-B14F-4D97-AF65-F5344CB8AC3E}">
-        <p14:creationId xmlns:p14="http://schemas.microsoft.com/office/powerpoint/2010/main" xmlns="" val="3853920126"/>
+        <p14:creationId xmlns="" xmlns:p14="http://schemas.microsoft.com/office/powerpoint/2010/main" val="3853920126"/>
       </p:ext>
     </p:extLst>
   </p:cSld>
@@ -4562,7 +4564,7 @@
           <p:cNvPr id="4" name="Title 3">
             <a:extLst>
               <a:ext uri="{FF2B5EF4-FFF2-40B4-BE49-F238E27FC236}">
-                <a16:creationId xmlns:a16="http://schemas.microsoft.com/office/drawing/2014/main" xmlns="" id="{E10C5037-DA4A-44E2-A9FB-84B1498768A7}"/>
+                <a16:creationId xmlns="" xmlns:a16="http://schemas.microsoft.com/office/drawing/2014/main" id="{E10C5037-DA4A-44E2-A9FB-84B1498768A7}"/>
               </a:ext>
             </a:extLst>
           </p:cNvPr>
@@ -4599,7 +4601,7 @@
           <p:cNvPr id="15" name="Slide Number Placeholder 14">
             <a:extLst>
               <a:ext uri="{FF2B5EF4-FFF2-40B4-BE49-F238E27FC236}">
-                <a16:creationId xmlns:a16="http://schemas.microsoft.com/office/drawing/2014/main" xmlns="" id="{26F5C050-EB87-421A-8A5C-E6CB30102699}"/>
+                <a16:creationId xmlns="" xmlns:a16="http://schemas.microsoft.com/office/drawing/2014/main" id="{26F5C050-EB87-421A-8A5C-E6CB30102699}"/>
               </a:ext>
             </a:extLst>
           </p:cNvPr>
@@ -4633,7 +4635,7 @@
           <p:cNvPr id="29" name="Picture Placeholder 28" descr="Young student drawing on a whiteboard">
             <a:extLst>
               <a:ext uri="{FF2B5EF4-FFF2-40B4-BE49-F238E27FC236}">
-                <a16:creationId xmlns:a16="http://schemas.microsoft.com/office/drawing/2014/main" xmlns="" id="{AE2FE2E9-1D1E-404B-A659-DD19B5D66B5B}"/>
+                <a16:creationId xmlns="" xmlns:a16="http://schemas.microsoft.com/office/drawing/2014/main" id="{AE2FE2E9-1D1E-404B-A659-DD19B5D66B5B}"/>
               </a:ext>
             </a:extLst>
           </p:cNvPr>
@@ -4648,7 +4650,7 @@
           <a:blip r:embed="rId2" cstate="screen">
             <a:extLst>
               <a:ext uri="{28A0092B-C50C-407E-A947-70E740481C1C}">
-                <a14:useLocalDpi xmlns:a14="http://schemas.microsoft.com/office/drawing/2010/main" xmlns=""/>
+                <a14:useLocalDpi xmlns="" xmlns:a14="http://schemas.microsoft.com/office/drawing/2010/main"/>
               </a:ext>
             </a:extLst>
           </a:blip>
@@ -4667,7 +4669,430 @@
     </p:spTree>
     <p:extLst>
       <p:ext uri="{BB962C8B-B14F-4D97-AF65-F5344CB8AC3E}">
-        <p14:creationId xmlns:p14="http://schemas.microsoft.com/office/powerpoint/2010/main" xmlns="" val="1136250268"/>
+        <p14:creationId xmlns="" xmlns:p14="http://schemas.microsoft.com/office/powerpoint/2010/main" val="1136250268"/>
+      </p:ext>
+    </p:extLst>
+  </p:cSld>
+  <p:clrMapOvr>
+    <a:masterClrMapping/>
+  </p:clrMapOvr>
+  <p:timing>
+    <p:tnLst>
+      <p:par>
+        <p:cTn id="1" dur="indefinite" restart="never" nodeType="tmRoot"/>
+      </p:par>
+    </p:tnLst>
+  </p:timing>
+</p:sld>
+</file>
+
+<file path=ppt/slides/slide10.xml><?xml version="1.0" encoding="utf-8"?>
+<p:sld xmlns:a="http://schemas.openxmlformats.org/drawingml/2006/main" xmlns:r="http://schemas.openxmlformats.org/officeDocument/2006/relationships" xmlns:p="http://schemas.openxmlformats.org/presentationml/2006/main">
+  <p:cSld>
+    <p:spTree>
+      <p:nvGrpSpPr>
+        <p:cNvPr id="1" name=""/>
+        <p:cNvGrpSpPr/>
+        <p:nvPr/>
+      </p:nvGrpSpPr>
+      <p:grpSpPr>
+        <a:xfrm>
+          <a:off x="0" y="0"/>
+          <a:ext cx="0" cy="0"/>
+          <a:chOff x="0" y="0"/>
+          <a:chExt cx="0" cy="0"/>
+        </a:xfrm>
+      </p:grpSpPr>
+      <p:sp>
+        <p:nvSpPr>
+          <p:cNvPr id="2" name="Title 1">
+            <a:extLst>
+              <a:ext uri="{FF2B5EF4-FFF2-40B4-BE49-F238E27FC236}">
+                <a16:creationId xmlns="" xmlns:a16="http://schemas.microsoft.com/office/drawing/2014/main" id="{E199600F-A17E-4354-A7AB-0CC2A43A9354}"/>
+              </a:ext>
+            </a:extLst>
+          </p:cNvPr>
+          <p:cNvSpPr>
+            <a:spLocks noGrp="1"/>
+          </p:cNvSpPr>
+          <p:nvPr>
+            <p:ph type="title"/>
+          </p:nvPr>
+        </p:nvSpPr>
+        <p:spPr>
+          <a:xfrm>
+            <a:off x="838200" y="641855"/>
+            <a:ext cx="10515600" cy="772107"/>
+          </a:xfrm>
+        </p:spPr>
+        <p:txBody>
+          <a:bodyPr/>
+          <a:lstStyle/>
+          <a:p>
+            <a:pPr algn="ctr"/>
+            <a:r>
+              <a:rPr lang="en-US" dirty="0" smtClean="0"/>
+              <a:t>Properties of An Array</a:t>
+            </a:r>
+            <a:endParaRPr lang="en-US" dirty="0"/>
+          </a:p>
+        </p:txBody>
+      </p:sp>
+      <p:sp>
+        <p:nvSpPr>
+          <p:cNvPr id="6" name="Content Placeholder 5"/>
+          <p:cNvSpPr>
+            <a:spLocks noGrp="1"/>
+          </p:cNvSpPr>
+          <p:nvPr>
+            <p:ph idx="1"/>
+          </p:nvPr>
+        </p:nvSpPr>
+        <p:spPr>
+          <a:xfrm>
+            <a:off x="682625" y="2010137"/>
+            <a:ext cx="10515600" cy="4351338"/>
+          </a:xfrm>
+        </p:spPr>
+        <p:txBody>
+          <a:bodyPr>
+            <a:normAutofit/>
+          </a:bodyPr>
+          <a:lstStyle/>
+          <a:p>
+            <a:r>
+              <a:rPr lang="en-US" sz="2400" dirty="0" smtClean="0"/>
+              <a:t>As all objects in java extend from Object class , similarly an array object also extends from Object class.</a:t>
+            </a:r>
+          </a:p>
+          <a:p>
+            <a:r>
+              <a:rPr lang="en-US" sz="2400" dirty="0" smtClean="0"/>
+              <a:t>Therefore an array of Object type can hold objects of all types whether it be primitive or reference types.</a:t>
+            </a:r>
+          </a:p>
+          <a:p>
+            <a:r>
+              <a:rPr lang="en-US" sz="2400" dirty="0" smtClean="0"/>
+              <a:t>Since arrays are objects , hence all arrays are assigned default values at the time of creation. All primitive type arrays are assigned default values as zero while non-primitives are assigned null.</a:t>
+            </a:r>
+          </a:p>
+        </p:txBody>
+      </p:sp>
+      <p:sp>
+        <p:nvSpPr>
+          <p:cNvPr id="4" name="Slide Number Placeholder 3">
+            <a:extLst>
+              <a:ext uri="{FF2B5EF4-FFF2-40B4-BE49-F238E27FC236}">
+                <a16:creationId xmlns="" xmlns:a16="http://schemas.microsoft.com/office/drawing/2014/main" id="{62B4CE3A-8C88-45AA-A849-57E5A7AC22C1}"/>
+              </a:ext>
+            </a:extLst>
+          </p:cNvPr>
+          <p:cNvSpPr>
+            <a:spLocks noGrp="1"/>
+          </p:cNvSpPr>
+          <p:nvPr>
+            <p:ph type="sldNum" sz="quarter" idx="10"/>
+          </p:nvPr>
+        </p:nvSpPr>
+        <p:spPr/>
+        <p:txBody>
+          <a:bodyPr/>
+          <a:lstStyle/>
+          <a:p>
+            <a:r>
+              <a:rPr lang="en-US" dirty="0"/>
+              <a:t>PAGE </a:t>
+            </a:r>
+            <a:fld id="{4A9B5881-4007-4345-955A-79C2656F0C49}" type="slidenum">
+              <a:rPr lang="en-US" smtClean="0"/>
+              <a:pPr/>
+              <a:t>10</a:t>
+            </a:fld>
+            <a:endParaRPr lang="en-US" dirty="0"/>
+          </a:p>
+        </p:txBody>
+      </p:sp>
+      <p:sp>
+        <p:nvSpPr>
+          <p:cNvPr id="11" name="Rectangle 10">
+            <a:extLst>
+              <a:ext uri="{FF2B5EF4-FFF2-40B4-BE49-F238E27FC236}">
+                <a16:creationId xmlns="" xmlns:a16="http://schemas.microsoft.com/office/drawing/2014/main" id="{5F253864-26FA-4AB1-9F0A-4F57D870EE85}"/>
+              </a:ext>
+              <a:ext uri="{C183D7F6-B498-43B3-948B-1728B52AA6E4}">
+                <adec:decorative xmlns:adec="http://schemas.microsoft.com/office/drawing/2017/decorative" xmlns="" val="1"/>
+              </a:ext>
+            </a:extLst>
+          </p:cNvPr>
+          <p:cNvSpPr/>
+          <p:nvPr/>
+        </p:nvSpPr>
+        <p:spPr>
+          <a:xfrm>
+            <a:off x="6249555" y="6562004"/>
+            <a:ext cx="2552123" cy="159471"/>
+          </a:xfrm>
+          <a:prstGeom prst="rect">
+            <a:avLst/>
+          </a:prstGeom>
+          <a:solidFill>
+            <a:schemeClr val="tx1">
+              <a:lumMod val="85000"/>
+              <a:lumOff val="15000"/>
+            </a:schemeClr>
+          </a:solidFill>
+          <a:ln>
+            <a:noFill/>
+          </a:ln>
+        </p:spPr>
+        <p:style>
+          <a:lnRef idx="2">
+            <a:schemeClr val="accent1">
+              <a:shade val="50000"/>
+            </a:schemeClr>
+          </a:lnRef>
+          <a:fillRef idx="1">
+            <a:schemeClr val="accent1"/>
+          </a:fillRef>
+          <a:effectRef idx="0">
+            <a:schemeClr val="accent1"/>
+          </a:effectRef>
+          <a:fontRef idx="minor">
+            <a:schemeClr val="lt1"/>
+          </a:fontRef>
+        </p:style>
+        <p:txBody>
+          <a:bodyPr anchor="ctr"/>
+          <a:lstStyle/>
+          <a:p>
+            <a:pPr algn="ctr"/>
+            <a:endParaRPr lang="en-US" sz="1200" dirty="0"/>
+          </a:p>
+        </p:txBody>
+      </p:sp>
+    </p:spTree>
+    <p:extLst>
+      <p:ext uri="{BB962C8B-B14F-4D97-AF65-F5344CB8AC3E}">
+        <p14:creationId xmlns="" xmlns:p14="http://schemas.microsoft.com/office/powerpoint/2010/main" val="1023982374"/>
+      </p:ext>
+    </p:extLst>
+  </p:cSld>
+  <p:clrMapOvr>
+    <a:masterClrMapping/>
+  </p:clrMapOvr>
+  <p:timing>
+    <p:tnLst>
+      <p:par>
+        <p:cTn id="1" dur="indefinite" restart="never" nodeType="tmRoot"/>
+      </p:par>
+    </p:tnLst>
+  </p:timing>
+</p:sld>
+</file>
+
+<file path=ppt/slides/slide11.xml><?xml version="1.0" encoding="utf-8"?>
+<p:sld xmlns:a="http://schemas.openxmlformats.org/drawingml/2006/main" xmlns:r="http://schemas.openxmlformats.org/officeDocument/2006/relationships" xmlns:p="http://schemas.openxmlformats.org/presentationml/2006/main">
+  <p:cSld>
+    <p:spTree>
+      <p:nvGrpSpPr>
+        <p:cNvPr id="1" name=""/>
+        <p:cNvGrpSpPr/>
+        <p:nvPr/>
+      </p:nvGrpSpPr>
+      <p:grpSpPr>
+        <a:xfrm>
+          <a:off x="0" y="0"/>
+          <a:ext cx="0" cy="0"/>
+          <a:chOff x="0" y="0"/>
+          <a:chExt cx="0" cy="0"/>
+        </a:xfrm>
+      </p:grpSpPr>
+      <p:sp>
+        <p:nvSpPr>
+          <p:cNvPr id="2" name="Title 1">
+            <a:extLst>
+              <a:ext uri="{FF2B5EF4-FFF2-40B4-BE49-F238E27FC236}">
+                <a16:creationId xmlns="" xmlns:a16="http://schemas.microsoft.com/office/drawing/2014/main" id="{C8F58AE6-56F6-44E8-8BBF-23277B1773E4}"/>
+              </a:ext>
+            </a:extLst>
+          </p:cNvPr>
+          <p:cNvSpPr>
+            <a:spLocks noGrp="1"/>
+          </p:cNvSpPr>
+          <p:nvPr>
+            <p:ph type="title"/>
+          </p:nvPr>
+        </p:nvSpPr>
+        <p:spPr/>
+        <p:txBody>
+          <a:bodyPr/>
+          <a:lstStyle/>
+          <a:p>
+            <a:pPr algn="ctr"/>
+            <a:r>
+              <a:rPr lang="en-US" dirty="0" smtClean="0"/>
+              <a:t>Questions ??</a:t>
+            </a:r>
+            <a:endParaRPr lang="en-US" dirty="0"/>
+          </a:p>
+        </p:txBody>
+      </p:sp>
+      <p:pic>
+        <p:nvPicPr>
+          <p:cNvPr id="3" name="Content Placeholder 2"/>
+          <p:cNvPicPr>
+            <a:picLocks noGrp="1" noChangeAspect="1"/>
+          </p:cNvPicPr>
+          <p:nvPr>
+            <p:ph idx="1"/>
+          </p:nvPr>
+        </p:nvPicPr>
+        <p:blipFill>
+          <a:blip r:embed="rId2">
+            <a:extLst>
+              <a:ext uri="{28A0092B-C50C-407E-A947-70E740481C1C}">
+                <a14:useLocalDpi xmlns="" xmlns:a14="http://schemas.microsoft.com/office/drawing/2010/main" val="0"/>
+              </a:ext>
+            </a:extLst>
+          </a:blip>
+          <a:stretch>
+            <a:fillRect/>
+          </a:stretch>
+        </p:blipFill>
+        <p:spPr>
+          <a:xfrm>
+            <a:off x="4705350" y="1487686"/>
+            <a:ext cx="6648450" cy="3739753"/>
+          </a:xfrm>
+        </p:spPr>
+      </p:pic>
+      <p:sp>
+        <p:nvSpPr>
+          <p:cNvPr id="20" name="Slide Number Placeholder 19">
+            <a:extLst>
+              <a:ext uri="{FF2B5EF4-FFF2-40B4-BE49-F238E27FC236}">
+                <a16:creationId xmlns="" xmlns:a16="http://schemas.microsoft.com/office/drawing/2014/main" id="{3AEC0301-E9AA-4478-9E23-C372DBDCE653}"/>
+              </a:ext>
+            </a:extLst>
+          </p:cNvPr>
+          <p:cNvSpPr>
+            <a:spLocks noGrp="1"/>
+          </p:cNvSpPr>
+          <p:nvPr>
+            <p:ph type="sldNum" sz="quarter" idx="10"/>
+          </p:nvPr>
+        </p:nvSpPr>
+        <p:spPr>
+          <a:xfrm>
+            <a:off x="10717695" y="6363134"/>
+            <a:ext cx="838200" cy="360000"/>
+          </a:xfrm>
+        </p:spPr>
+        <p:txBody>
+          <a:bodyPr/>
+          <a:lstStyle/>
+          <a:p>
+            <a:r>
+              <a:rPr lang="en-US" dirty="0"/>
+              <a:t>PAGE </a:t>
+            </a:r>
+            <a:fld id="{4A9B5881-4007-4345-955A-79C2656F0C49}" type="slidenum">
+              <a:rPr lang="en-US" smtClean="0"/>
+              <a:pPr/>
+              <a:t>11</a:t>
+            </a:fld>
+            <a:endParaRPr lang="en-US" dirty="0"/>
+          </a:p>
+        </p:txBody>
+      </p:sp>
+      <p:sp>
+        <p:nvSpPr>
+          <p:cNvPr id="10" name="Isosceles Triangle 9">
+            <a:extLst>
+              <a:ext uri="{FF2B5EF4-FFF2-40B4-BE49-F238E27FC236}">
+                <a16:creationId xmlns="" xmlns:a16="http://schemas.microsoft.com/office/drawing/2014/main" id="{792980D7-ED01-4955-83DB-59BA18C94FBA}"/>
+              </a:ext>
+              <a:ext uri="{C183D7F6-B498-43B3-948B-1728B52AA6E4}">
+                <adec:decorative xmlns:adec="http://schemas.microsoft.com/office/drawing/2017/decorative" xmlns="" val="1"/>
+              </a:ext>
+            </a:extLst>
+          </p:cNvPr>
+          <p:cNvSpPr/>
+          <p:nvPr/>
+        </p:nvSpPr>
+        <p:spPr>
+          <a:xfrm rot="10800000">
+            <a:off x="10006315" y="6271566"/>
+            <a:ext cx="142847" cy="91567"/>
+          </a:xfrm>
+          <a:prstGeom prst="triangle">
+            <a:avLst/>
+          </a:prstGeom>
+          <a:solidFill>
+            <a:schemeClr val="bg1"/>
+          </a:solidFill>
+          <a:ln>
+            <a:noFill/>
+          </a:ln>
+        </p:spPr>
+        <p:style>
+          <a:lnRef idx="2">
+            <a:schemeClr val="accent1">
+              <a:shade val="50000"/>
+            </a:schemeClr>
+          </a:lnRef>
+          <a:fillRef idx="1">
+            <a:schemeClr val="accent1"/>
+          </a:fillRef>
+          <a:effectRef idx="0">
+            <a:schemeClr val="accent1"/>
+          </a:effectRef>
+          <a:fontRef idx="minor">
+            <a:schemeClr val="lt1"/>
+          </a:fontRef>
+        </p:style>
+        <p:txBody>
+          <a:bodyPr rtlCol="0" anchor="ctr"/>
+          <a:lstStyle/>
+          <a:p>
+            <a:pPr algn="ctr"/>
+            <a:endParaRPr lang="en-US" dirty="0"/>
+          </a:p>
+        </p:txBody>
+      </p:sp>
+      <p:sp>
+        <p:nvSpPr>
+          <p:cNvPr id="4" name="Rectangle 3"/>
+          <p:cNvSpPr/>
+          <p:nvPr/>
+        </p:nvSpPr>
+        <p:spPr>
+          <a:xfrm>
+            <a:off x="5785658" y="3244334"/>
+            <a:ext cx="620683" cy="369332"/>
+          </a:xfrm>
+          <a:prstGeom prst="rect">
+            <a:avLst/>
+          </a:prstGeom>
+        </p:spPr>
+        <p:txBody>
+          <a:bodyPr wrap="none">
+            <a:spAutoFit/>
+          </a:bodyPr>
+          <a:lstStyle/>
+          <a:p>
+            <a:r>
+              <a:rPr lang="en-US" dirty="0"/>
+              <a:t>a b c</a:t>
+            </a:r>
+          </a:p>
+        </p:txBody>
+      </p:sp>
+    </p:spTree>
+    <p:extLst>
+      <p:ext uri="{BB962C8B-B14F-4D97-AF65-F5344CB8AC3E}">
+        <p14:creationId xmlns="" xmlns:p14="http://schemas.microsoft.com/office/powerpoint/2010/main" val="1704949556"/>
       </p:ext>
     </p:extLst>
   </p:cSld>
@@ -4706,7 +5131,7 @@
           <p:cNvPr id="2" name="Title 1">
             <a:extLst>
               <a:ext uri="{FF2B5EF4-FFF2-40B4-BE49-F238E27FC236}">
-                <a16:creationId xmlns:a16="http://schemas.microsoft.com/office/drawing/2014/main" xmlns="" id="{E199600F-A17E-4354-A7AB-0CC2A43A9354}"/>
+                <a16:creationId xmlns="" xmlns:a16="http://schemas.microsoft.com/office/drawing/2014/main" id="{E199600F-A17E-4354-A7AB-0CC2A43A9354}"/>
               </a:ext>
             </a:extLst>
           </p:cNvPr>
@@ -4730,11 +5155,7 @@
             <a:pPr algn="ctr"/>
             <a:r>
               <a:rPr lang="en-US" dirty="0" smtClean="0"/>
-              <a:t>Exam </a:t>
-            </a:r>
-            <a:r>
-              <a:rPr lang="en-US" dirty="0" smtClean="0"/>
-              <a:t>Objectives</a:t>
+              <a:t>Exam Objectives</a:t>
             </a:r>
             <a:endParaRPr lang="en-US" dirty="0"/>
           </a:p>
@@ -4745,7 +5166,7 @@
           <p:cNvPr id="3" name="Content Placeholder 2">
             <a:extLst>
               <a:ext uri="{FF2B5EF4-FFF2-40B4-BE49-F238E27FC236}">
-                <a16:creationId xmlns:a16="http://schemas.microsoft.com/office/drawing/2014/main" xmlns="" id="{FA6A4B49-27C8-46B6-8B11-AD7E8F615E2C}"/>
+                <a16:creationId xmlns="" xmlns:a16="http://schemas.microsoft.com/office/drawing/2014/main" id="{FA6A4B49-27C8-46B6-8B11-AD7E8F615E2C}"/>
               </a:ext>
             </a:extLst>
           </p:cNvPr>
@@ -4756,7 +5177,12 @@
             <p:ph idx="1"/>
           </p:nvPr>
         </p:nvSpPr>
-        <p:spPr/>
+        <p:spPr>
+          <a:xfrm>
+            <a:off x="838200" y="1825625"/>
+            <a:ext cx="5080000" cy="4351338"/>
+          </a:xfrm>
+        </p:spPr>
         <p:txBody>
           <a:bodyPr>
             <a:normAutofit/>
@@ -4817,11 +5243,7 @@
             </a:r>
             <a:r>
               <a:rPr lang="en-US" sz="2400" dirty="0" smtClean="0"/>
-              <a:t>and its </a:t>
-            </a:r>
-            <a:r>
-              <a:rPr lang="en-US" sz="2400" dirty="0" smtClean="0"/>
-              <a:t>methods.</a:t>
+              <a:t>and its methods.</a:t>
             </a:r>
             <a:endParaRPr lang="en-US" sz="2400" noProof="1"/>
           </a:p>
@@ -4832,7 +5254,7 @@
           <p:cNvPr id="4" name="Slide Number Placeholder 3">
             <a:extLst>
               <a:ext uri="{FF2B5EF4-FFF2-40B4-BE49-F238E27FC236}">
-                <a16:creationId xmlns:a16="http://schemas.microsoft.com/office/drawing/2014/main" xmlns="" id="{62B4CE3A-8C88-45AA-A849-57E5A7AC22C1}"/>
+                <a16:creationId xmlns="" xmlns:a16="http://schemas.microsoft.com/office/drawing/2014/main" id="{62B4CE3A-8C88-45AA-A849-57E5A7AC22C1}"/>
               </a:ext>
             </a:extLst>
           </p:cNvPr>
@@ -4871,10 +5293,10 @@
           <p:cNvPr id="11" name="Rectangle 10">
             <a:extLst>
               <a:ext uri="{FF2B5EF4-FFF2-40B4-BE49-F238E27FC236}">
-                <a16:creationId xmlns:a16="http://schemas.microsoft.com/office/drawing/2014/main" xmlns="" id="{5F253864-26FA-4AB1-9F0A-4F57D870EE85}"/>
+                <a16:creationId xmlns="" xmlns:a16="http://schemas.microsoft.com/office/drawing/2014/main" id="{5F253864-26FA-4AB1-9F0A-4F57D870EE85}"/>
               </a:ext>
               <a:ext uri="{C183D7F6-B498-43B3-948B-1728B52AA6E4}">
-                <adec:decorative xmlns="" xmlns:adec="http://schemas.microsoft.com/office/drawing/2017/decorative" val="1"/>
+                <adec:decorative xmlns:adec="http://schemas.microsoft.com/office/drawing/2017/decorative" xmlns="" val="1"/>
               </a:ext>
             </a:extLst>
           </p:cNvPr>
@@ -4926,28 +5348,22 @@
       </p:sp>
       <p:pic>
         <p:nvPicPr>
-          <p:cNvPr id="6" name="Picture 5"/>
+          <p:cNvPr id="7" name="Picture 6" descr="lesson-planning-1-638.png"/>
           <p:cNvPicPr>
             <a:picLocks noChangeAspect="1"/>
           </p:cNvPicPr>
           <p:nvPr/>
         </p:nvPicPr>
         <p:blipFill>
-          <a:blip r:embed="rId2" cstate="print">
-            <a:extLst>
-              <a:ext uri="{28A0092B-C50C-407E-A947-70E740481C1C}">
-                <a14:useLocalDpi xmlns:a14="http://schemas.microsoft.com/office/drawing/2010/main" xmlns="" val="0"/>
-              </a:ext>
-            </a:extLst>
-          </a:blip>
+          <a:blip r:embed="rId2"/>
           <a:stretch>
             <a:fillRect/>
           </a:stretch>
         </p:blipFill>
         <p:spPr>
           <a:xfrm>
-            <a:off x="7777018" y="1670939"/>
-            <a:ext cx="3576781" cy="4464339"/>
+            <a:off x="6134099" y="1731962"/>
+            <a:ext cx="5260975" cy="4562475"/>
           </a:xfrm>
           <a:prstGeom prst="rect">
             <a:avLst/>
@@ -4957,7 +5373,7 @@
     </p:spTree>
     <p:extLst>
       <p:ext uri="{BB962C8B-B14F-4D97-AF65-F5344CB8AC3E}">
-        <p14:creationId xmlns:p14="http://schemas.microsoft.com/office/powerpoint/2010/main" xmlns="" val="1281103274"/>
+        <p14:creationId xmlns="" xmlns:p14="http://schemas.microsoft.com/office/powerpoint/2010/main" val="1281103274"/>
       </p:ext>
     </p:extLst>
   </p:cSld>
@@ -4996,7 +5412,7 @@
           <p:cNvPr id="2" name="Title 1">
             <a:extLst>
               <a:ext uri="{FF2B5EF4-FFF2-40B4-BE49-F238E27FC236}">
-                <a16:creationId xmlns:a16="http://schemas.microsoft.com/office/drawing/2014/main" xmlns="" id="{E199600F-A17E-4354-A7AB-0CC2A43A9354}"/>
+                <a16:creationId xmlns="" xmlns:a16="http://schemas.microsoft.com/office/drawing/2014/main" id="{E199600F-A17E-4354-A7AB-0CC2A43A9354}"/>
               </a:ext>
             </a:extLst>
           </p:cNvPr>
@@ -5031,7 +5447,7 @@
           <p:cNvPr id="3" name="Content Placeholder 2">
             <a:extLst>
               <a:ext uri="{FF2B5EF4-FFF2-40B4-BE49-F238E27FC236}">
-                <a16:creationId xmlns:a16="http://schemas.microsoft.com/office/drawing/2014/main" xmlns="" id="{FA6A4B49-27C8-46B6-8B11-AD7E8F615E2C}"/>
+                <a16:creationId xmlns="" xmlns:a16="http://schemas.microsoft.com/office/drawing/2014/main" id="{FA6A4B49-27C8-46B6-8B11-AD7E8F615E2C}"/>
               </a:ext>
             </a:extLst>
           </p:cNvPr>
@@ -5101,7 +5517,7 @@
           <p:cNvPr id="4" name="Slide Number Placeholder 3">
             <a:extLst>
               <a:ext uri="{FF2B5EF4-FFF2-40B4-BE49-F238E27FC236}">
-                <a16:creationId xmlns:a16="http://schemas.microsoft.com/office/drawing/2014/main" xmlns="" id="{62B4CE3A-8C88-45AA-A849-57E5A7AC22C1}"/>
+                <a16:creationId xmlns="" xmlns:a16="http://schemas.microsoft.com/office/drawing/2014/main" id="{62B4CE3A-8C88-45AA-A849-57E5A7AC22C1}"/>
               </a:ext>
             </a:extLst>
           </p:cNvPr>
@@ -5140,10 +5556,10 @@
           <p:cNvPr id="11" name="Rectangle 10">
             <a:extLst>
               <a:ext uri="{FF2B5EF4-FFF2-40B4-BE49-F238E27FC236}">
-                <a16:creationId xmlns:a16="http://schemas.microsoft.com/office/drawing/2014/main" xmlns="" id="{5F253864-26FA-4AB1-9F0A-4F57D870EE85}"/>
+                <a16:creationId xmlns="" xmlns:a16="http://schemas.microsoft.com/office/drawing/2014/main" id="{5F253864-26FA-4AB1-9F0A-4F57D870EE85}"/>
               </a:ext>
               <a:ext uri="{C183D7F6-B498-43B3-948B-1728B52AA6E4}">
-                <adec:decorative xmlns="" xmlns:adec="http://schemas.microsoft.com/office/drawing/2017/decorative" val="1"/>
+                <adec:decorative xmlns:adec="http://schemas.microsoft.com/office/drawing/2017/decorative" xmlns="" val="1"/>
               </a:ext>
             </a:extLst>
           </p:cNvPr>
@@ -5196,7 +5612,7 @@
     </p:spTree>
     <p:extLst>
       <p:ext uri="{BB962C8B-B14F-4D97-AF65-F5344CB8AC3E}">
-        <p14:creationId xmlns:p14="http://schemas.microsoft.com/office/powerpoint/2010/main" xmlns="" val="3666108874"/>
+        <p14:creationId xmlns="" xmlns:p14="http://schemas.microsoft.com/office/powerpoint/2010/main" val="3666108874"/>
       </p:ext>
     </p:extLst>
   </p:cSld>
@@ -5235,7 +5651,7 @@
           <p:cNvPr id="2" name="Title 1">
             <a:extLst>
               <a:ext uri="{FF2B5EF4-FFF2-40B4-BE49-F238E27FC236}">
-                <a16:creationId xmlns:a16="http://schemas.microsoft.com/office/drawing/2014/main" xmlns="" id="{E199600F-A17E-4354-A7AB-0CC2A43A9354}"/>
+                <a16:creationId xmlns="" xmlns:a16="http://schemas.microsoft.com/office/drawing/2014/main" id="{E199600F-A17E-4354-A7AB-0CC2A43A9354}"/>
               </a:ext>
             </a:extLst>
           </p:cNvPr>
@@ -5270,7 +5686,7 @@
           <p:cNvPr id="3" name="Content Placeholder 2">
             <a:extLst>
               <a:ext uri="{FF2B5EF4-FFF2-40B4-BE49-F238E27FC236}">
-                <a16:creationId xmlns:a16="http://schemas.microsoft.com/office/drawing/2014/main" xmlns="" id="{FA6A4B49-27C8-46B6-8B11-AD7E8F615E2C}"/>
+                <a16:creationId xmlns="" xmlns:a16="http://schemas.microsoft.com/office/drawing/2014/main" id="{FA6A4B49-27C8-46B6-8B11-AD7E8F615E2C}"/>
               </a:ext>
             </a:extLst>
           </p:cNvPr>
@@ -5320,13 +5736,8 @@
           <a:p>
             <a:r>
               <a:rPr lang="en-US" sz="2900" dirty="0" smtClean="0"/>
-              <a:t>If the compiler can resolve the character sequence of a string then only it </a:t>
-            </a:r>
-            <a:r>
-              <a:rPr lang="en-US" sz="2900" smtClean="0"/>
-              <a:t>is interned.</a:t>
-            </a:r>
-            <a:endParaRPr lang="en-US" sz="2900" dirty="0" smtClean="0"/>
+              <a:t>If the compiler can resolve the character sequence of a string then only it is interned.</a:t>
+            </a:r>
           </a:p>
           <a:p>
             <a:r>
@@ -5363,7 +5774,11 @@
               <a:t>This is where </a:t>
             </a:r>
             <a:r>
-              <a:rPr lang="en-US" sz="2800" b="1" i="1" u="sng" dirty="0" smtClean="0"/>
+              <a:rPr lang="en-US" sz="2800" b="1" i="1" u="sng" dirty="0" smtClean="0">
+                <a:solidFill>
+                  <a:srgbClr val="FFFF00"/>
+                </a:solidFill>
+              </a:rPr>
               <a:t>immutability</a:t>
             </a:r>
             <a:r>
@@ -5377,7 +5792,11 @@
               <a:t>This phenomenon is referred to as </a:t>
             </a:r>
             <a:r>
-              <a:rPr lang="en-US" sz="2800" b="1" i="1" u="sng" dirty="0" smtClean="0"/>
+              <a:rPr lang="en-US" sz="2800" b="1" i="1" u="sng" dirty="0" smtClean="0">
+                <a:solidFill>
+                  <a:srgbClr val="FFFF00"/>
+                </a:solidFill>
+              </a:rPr>
               <a:t>interning</a:t>
             </a:r>
             <a:r>
@@ -5392,7 +5811,7 @@
           <p:cNvPr id="4" name="Slide Number Placeholder 3">
             <a:extLst>
               <a:ext uri="{FF2B5EF4-FFF2-40B4-BE49-F238E27FC236}">
-                <a16:creationId xmlns:a16="http://schemas.microsoft.com/office/drawing/2014/main" xmlns="" id="{62B4CE3A-8C88-45AA-A849-57E5A7AC22C1}"/>
+                <a16:creationId xmlns="" xmlns:a16="http://schemas.microsoft.com/office/drawing/2014/main" id="{62B4CE3A-8C88-45AA-A849-57E5A7AC22C1}"/>
               </a:ext>
             </a:extLst>
           </p:cNvPr>
@@ -5431,10 +5850,10 @@
           <p:cNvPr id="11" name="Rectangle 10">
             <a:extLst>
               <a:ext uri="{FF2B5EF4-FFF2-40B4-BE49-F238E27FC236}">
-                <a16:creationId xmlns:a16="http://schemas.microsoft.com/office/drawing/2014/main" xmlns="" id="{5F253864-26FA-4AB1-9F0A-4F57D870EE85}"/>
+                <a16:creationId xmlns="" xmlns:a16="http://schemas.microsoft.com/office/drawing/2014/main" id="{5F253864-26FA-4AB1-9F0A-4F57D870EE85}"/>
               </a:ext>
               <a:ext uri="{C183D7F6-B498-43B3-948B-1728B52AA6E4}">
-                <adec:decorative xmlns="" xmlns:adec="http://schemas.microsoft.com/office/drawing/2017/decorative" val="1"/>
+                <adec:decorative xmlns:adec="http://schemas.microsoft.com/office/drawing/2017/decorative" xmlns="" val="1"/>
               </a:ext>
             </a:extLst>
           </p:cNvPr>
@@ -5487,7 +5906,7 @@
     </p:spTree>
     <p:extLst>
       <p:ext uri="{BB962C8B-B14F-4D97-AF65-F5344CB8AC3E}">
-        <p14:creationId xmlns:p14="http://schemas.microsoft.com/office/powerpoint/2010/main" xmlns="" val="2745771103"/>
+        <p14:creationId xmlns="" xmlns:p14="http://schemas.microsoft.com/office/powerpoint/2010/main" val="2745771103"/>
       </p:ext>
     </p:extLst>
   </p:cSld>
@@ -5523,13 +5942,7 @@
       </p:grpSpPr>
       <p:sp>
         <p:nvSpPr>
-          <p:cNvPr id="2" name="Title 1">
-            <a:extLst>
-              <a:ext uri="{FF2B5EF4-FFF2-40B4-BE49-F238E27FC236}">
-                <a16:creationId xmlns:a16="http://schemas.microsoft.com/office/drawing/2014/main" xmlns="" id="{E199600F-A17E-4354-A7AB-0CC2A43A9354}"/>
-              </a:ext>
-            </a:extLst>
-          </p:cNvPr>
+          <p:cNvPr id="2" name="Title 1"/>
           <p:cNvSpPr>
             <a:spLocks noGrp="1"/>
           </p:cNvSpPr>
@@ -5539,8 +5952,8 @@
         </p:nvSpPr>
         <p:spPr>
           <a:xfrm>
-            <a:off x="838199" y="611079"/>
-            <a:ext cx="10515600" cy="833663"/>
+            <a:off x="1219200" y="598376"/>
+            <a:ext cx="9740900" cy="833663"/>
           </a:xfrm>
         </p:spPr>
         <p:txBody>
@@ -5552,98 +5965,13 @@
               <a:rPr lang="en-US" dirty="0" smtClean="0"/>
               <a:t>String Creation</a:t>
             </a:r>
-            <a:endParaRPr lang="en-US" dirty="0"/>
-          </a:p>
-        </p:txBody>
-      </p:sp>
-      <p:sp>
-        <p:nvSpPr>
-          <p:cNvPr id="3" name="Content Placeholder 2">
-            <a:extLst>
-              <a:ext uri="{FF2B5EF4-FFF2-40B4-BE49-F238E27FC236}">
-                <a16:creationId xmlns:a16="http://schemas.microsoft.com/office/drawing/2014/main" xmlns="" id="{FA6A4B49-27C8-46B6-8B11-AD7E8F615E2C}"/>
-              </a:ext>
-            </a:extLst>
-          </p:cNvPr>
-          <p:cNvSpPr>
-            <a:spLocks noGrp="1"/>
-          </p:cNvSpPr>
-          <p:nvPr>
-            <p:ph idx="1"/>
-          </p:nvPr>
-        </p:nvSpPr>
-        <p:spPr>
-          <a:xfrm>
-            <a:off x="838199" y="1825625"/>
-            <a:ext cx="10515599" cy="4351338"/>
-          </a:xfrm>
-        </p:spPr>
-        <p:txBody>
-          <a:bodyPr>
-            <a:normAutofit fontScale="85000" lnSpcReduction="10000"/>
-          </a:bodyPr>
-          <a:lstStyle/>
-          <a:p>
-            <a:r>
-              <a:rPr lang="en-US" sz="2800" dirty="0" smtClean="0"/>
-              <a:t>Strings can be creating by the way of direct assignment.</a:t>
-            </a:r>
-          </a:p>
-          <a:p>
-            <a:pPr lvl="1"/>
-            <a:r>
-              <a:rPr lang="en-US" sz="2600" dirty="0" smtClean="0"/>
-              <a:t>Example : String </a:t>
-            </a:r>
-            <a:r>
-              <a:rPr lang="en-US" sz="2600" dirty="0" err="1" smtClean="0"/>
-              <a:t>str</a:t>
-            </a:r>
-            <a:r>
-              <a:rPr lang="en-US" sz="2600" dirty="0" smtClean="0"/>
-              <a:t> = “OCP”</a:t>
-            </a:r>
-          </a:p>
-          <a:p>
-            <a:r>
-              <a:rPr lang="en-US" sz="2800" dirty="0" smtClean="0"/>
-              <a:t>All string created using the above way are interned automatically by the JVM.</a:t>
-            </a:r>
-          </a:p>
-          <a:p>
-            <a:r>
-              <a:rPr lang="en-US" sz="2800" dirty="0" smtClean="0"/>
-              <a:t>In order to create a normal heap based object of string, </a:t>
-            </a:r>
-            <a:r>
-              <a:rPr lang="en-US" sz="2800" b="1" i="1" u="sng" dirty="0" smtClean="0"/>
-              <a:t>new</a:t>
-            </a:r>
-            <a:r>
-              <a:rPr lang="en-US" sz="2800" dirty="0" smtClean="0"/>
-              <a:t> operator is used. Interning does not apply on these objects and these act like any other Java object.</a:t>
-            </a:r>
-          </a:p>
-          <a:p>
-            <a:r>
-              <a:rPr lang="en-US" sz="2800" dirty="0" smtClean="0"/>
-              <a:t>In order to convert a heap based normal String object, intern() method of String comes in handy. If intern() method is called on objects created using the new operator , JVM searches through the string pool and if an object with the same character pattern is found , it is returned. Otherwise a new object is created on the string pool and returned. Any future request to created an interned object with the same character pattern is satisfied using the above object.</a:t>
-            </a:r>
-          </a:p>
-          <a:p>
-            <a:endParaRPr lang="en-US" sz="2800" dirty="0"/>
-          </a:p>
-        </p:txBody>
-      </p:sp>
-      <p:sp>
-        <p:nvSpPr>
-          <p:cNvPr id="4" name="Slide Number Placeholder 3">
-            <a:extLst>
-              <a:ext uri="{FF2B5EF4-FFF2-40B4-BE49-F238E27FC236}">
-                <a16:creationId xmlns:a16="http://schemas.microsoft.com/office/drawing/2014/main" xmlns="" id="{62B4CE3A-8C88-45AA-A849-57E5A7AC22C1}"/>
-              </a:ext>
-            </a:extLst>
-          </p:cNvPr>
+            <a:endParaRPr lang="en-IN" dirty="0"/>
+          </a:p>
+        </p:txBody>
+      </p:sp>
+      <p:sp>
+        <p:nvSpPr>
+          <p:cNvPr id="4" name="Slide Number Placeholder 3"/>
           <p:cNvSpPr>
             <a:spLocks noGrp="1"/>
           </p:cNvSpPr>
@@ -5651,18 +5979,13 @@
             <p:ph type="sldNum" sz="quarter" idx="10"/>
           </p:nvPr>
         </p:nvSpPr>
-        <p:spPr>
-          <a:xfrm>
-            <a:off x="11353800" y="6361475"/>
-            <a:ext cx="838200" cy="360000"/>
-          </a:xfrm>
-        </p:spPr>
+        <p:spPr/>
         <p:txBody>
           <a:bodyPr/>
           <a:lstStyle/>
           <a:p>
             <a:r>
-              <a:rPr lang="en-US" dirty="0"/>
+              <a:rPr lang="en-US" smtClean="0"/>
               <a:t>PAGE </a:t>
             </a:r>
             <a:fld id="{4A9B5881-4007-4345-955A-79C2656F0C49}" type="slidenum">
@@ -5674,70 +5997,31 @@
           </a:p>
         </p:txBody>
       </p:sp>
-      <p:sp>
-        <p:nvSpPr>
-          <p:cNvPr id="11" name="Rectangle 10">
-            <a:extLst>
-              <a:ext uri="{FF2B5EF4-FFF2-40B4-BE49-F238E27FC236}">
-                <a16:creationId xmlns:a16="http://schemas.microsoft.com/office/drawing/2014/main" xmlns="" id="{5F253864-26FA-4AB1-9F0A-4F57D870EE85}"/>
-              </a:ext>
-              <a:ext uri="{C183D7F6-B498-43B3-948B-1728B52AA6E4}">
-                <adec:decorative xmlns="" xmlns:adec="http://schemas.microsoft.com/office/drawing/2017/decorative" val="1"/>
-              </a:ext>
-            </a:extLst>
-          </p:cNvPr>
-          <p:cNvSpPr/>
+      <p:pic>
+        <p:nvPicPr>
+          <p:cNvPr id="7" name="Content Placeholder 4" descr="string.png"/>
+          <p:cNvPicPr>
+            <a:picLocks noChangeAspect="1"/>
+          </p:cNvPicPr>
           <p:nvPr/>
-        </p:nvSpPr>
-        <p:spPr>
-          <a:xfrm>
-            <a:off x="6249555" y="6562004"/>
-            <a:ext cx="2552123" cy="159471"/>
+        </p:nvPicPr>
+        <p:blipFill>
+          <a:blip r:embed="rId2"/>
+          <a:stretch>
+            <a:fillRect/>
+          </a:stretch>
+        </p:blipFill>
+        <p:spPr>
+          <a:xfrm>
+            <a:off x="1231900" y="1625600"/>
+            <a:ext cx="9753600" cy="4876799"/>
           </a:xfrm>
           <a:prstGeom prst="rect">
             <a:avLst/>
           </a:prstGeom>
-          <a:solidFill>
-            <a:schemeClr val="tx1">
-              <a:lumMod val="85000"/>
-              <a:lumOff val="15000"/>
-            </a:schemeClr>
-          </a:solidFill>
-          <a:ln>
-            <a:noFill/>
-          </a:ln>
-        </p:spPr>
-        <p:style>
-          <a:lnRef idx="2">
-            <a:schemeClr val="accent1">
-              <a:shade val="50000"/>
-            </a:schemeClr>
-          </a:lnRef>
-          <a:fillRef idx="1">
-            <a:schemeClr val="accent1"/>
-          </a:fillRef>
-          <a:effectRef idx="0">
-            <a:schemeClr val="accent1"/>
-          </a:effectRef>
-          <a:fontRef idx="minor">
-            <a:schemeClr val="lt1"/>
-          </a:fontRef>
-        </p:style>
-        <p:txBody>
-          <a:bodyPr anchor="ctr"/>
-          <a:lstStyle/>
-          <a:p>
-            <a:pPr algn="ctr"/>
-            <a:endParaRPr lang="en-US" sz="1200" dirty="0"/>
-          </a:p>
-        </p:txBody>
-      </p:sp>
+        </p:spPr>
+      </p:pic>
     </p:spTree>
-    <p:extLst>
-      <p:ext uri="{BB962C8B-B14F-4D97-AF65-F5344CB8AC3E}">
-        <p14:creationId xmlns:p14="http://schemas.microsoft.com/office/powerpoint/2010/main" xmlns="" val="1886034423"/>
-      </p:ext>
-    </p:extLst>
   </p:cSld>
   <p:clrMapOvr>
     <a:masterClrMapping/>
@@ -5774,7 +6058,7 @@
           <p:cNvPr id="2" name="Title 1">
             <a:extLst>
               <a:ext uri="{FF2B5EF4-FFF2-40B4-BE49-F238E27FC236}">
-                <a16:creationId xmlns:a16="http://schemas.microsoft.com/office/drawing/2014/main" xmlns="" id="{E199600F-A17E-4354-A7AB-0CC2A43A9354}"/>
+                <a16:creationId xmlns="" xmlns:a16="http://schemas.microsoft.com/office/drawing/2014/main" id="{E199600F-A17E-4354-A7AB-0CC2A43A9354}"/>
               </a:ext>
             </a:extLst>
           </p:cNvPr>
@@ -5798,7 +6082,7 @@
             <a:pPr algn="ctr"/>
             <a:r>
               <a:rPr lang="en-US" dirty="0" smtClean="0"/>
-              <a:t>Other Points</a:t>
+              <a:t>String Creation</a:t>
             </a:r>
             <a:endParaRPr lang="en-US" dirty="0"/>
           </a:p>
@@ -5809,7 +6093,7 @@
           <p:cNvPr id="3" name="Content Placeholder 2">
             <a:extLst>
               <a:ext uri="{FF2B5EF4-FFF2-40B4-BE49-F238E27FC236}">
-                <a16:creationId xmlns:a16="http://schemas.microsoft.com/office/drawing/2014/main" xmlns="" id="{FA6A4B49-27C8-46B6-8B11-AD7E8F615E2C}"/>
+                <a16:creationId xmlns="" xmlns:a16="http://schemas.microsoft.com/office/drawing/2014/main" id="{FA6A4B49-27C8-46B6-8B11-AD7E8F615E2C}"/>
               </a:ext>
             </a:extLst>
           </p:cNvPr>
@@ -5828,113 +6112,62 @@
         </p:spPr>
         <p:txBody>
           <a:bodyPr>
-            <a:normAutofit/>
+            <a:normAutofit fontScale="85000" lnSpcReduction="10000"/>
           </a:bodyPr>
           <a:lstStyle/>
           <a:p>
             <a:r>
               <a:rPr lang="en-US" sz="2800" dirty="0" smtClean="0"/>
-              <a:t>‘+’ operator is overloaded for Strings. String addition follows the given rules:</a:t>
+              <a:t>Strings can be creating by the way of direct assignment.</a:t>
             </a:r>
           </a:p>
           <a:p>
             <a:pPr lvl="1"/>
             <a:r>
-              <a:rPr lang="en-US" sz="2000" dirty="0"/>
-              <a:t>If the non-string operand is a reference variable, the </a:t>
-            </a:r>
-            <a:r>
-              <a:rPr lang="en-US" sz="2000" dirty="0" err="1"/>
-              <a:t>toString</a:t>
-            </a:r>
-            <a:r>
-              <a:rPr lang="en-US" sz="2000" dirty="0"/>
-              <a:t>() </a:t>
-            </a:r>
-            <a:r>
-              <a:rPr lang="en-US" sz="2000" dirty="0" smtClean="0"/>
-              <a:t>method is </a:t>
-            </a:r>
-            <a:r>
-              <a:rPr lang="en-US" sz="2000" dirty="0"/>
-              <a:t>invoked on that reference to get a string representation of that object.</a:t>
-            </a:r>
-          </a:p>
-          <a:p>
-            <a:pPr lvl="1"/>
-            <a:r>
-              <a:rPr lang="en-US" sz="2000" dirty="0" smtClean="0"/>
-              <a:t>If </a:t>
-            </a:r>
-            <a:r>
-              <a:rPr lang="en-US" sz="2000" dirty="0"/>
-              <a:t>the non-string operand is a primitive variable or a primitive literal </a:t>
-            </a:r>
-            <a:r>
-              <a:rPr lang="en-US" sz="2000" dirty="0" err="1" smtClean="0"/>
-              <a:t>value,a</a:t>
-            </a:r>
-            <a:r>
-              <a:rPr lang="en-US" sz="2000" dirty="0" smtClean="0"/>
-              <a:t> </a:t>
-            </a:r>
-            <a:r>
-              <a:rPr lang="en-US" sz="2000" dirty="0"/>
-              <a:t>wrapper object of the same type is created using the primitive value </a:t>
-            </a:r>
-            <a:r>
-              <a:rPr lang="en-US" sz="2000" dirty="0" smtClean="0"/>
-              <a:t>and then </a:t>
-            </a:r>
-            <a:r>
-              <a:rPr lang="en-US" sz="2000" dirty="0"/>
-              <a:t>a string representation is obtained by invoking </a:t>
-            </a:r>
-            <a:r>
-              <a:rPr lang="en-US" sz="2000" dirty="0" err="1"/>
-              <a:t>toString</a:t>
-            </a:r>
-            <a:r>
-              <a:rPr lang="en-US" sz="2000" dirty="0"/>
-              <a:t>() on </a:t>
-            </a:r>
-            <a:r>
-              <a:rPr lang="en-US" sz="2000" dirty="0" smtClean="0"/>
-              <a:t>the wrapper </a:t>
-            </a:r>
-            <a:r>
-              <a:rPr lang="en-US" sz="2000" dirty="0"/>
-              <a:t>object.</a:t>
-            </a:r>
-          </a:p>
-          <a:p>
-            <a:pPr lvl="1"/>
-            <a:r>
-              <a:rPr lang="en-US" sz="2000" dirty="0" smtClean="0"/>
-              <a:t>If </a:t>
-            </a:r>
-            <a:r>
-              <a:rPr lang="en-US" sz="2000" dirty="0"/>
-              <a:t>the one of the operands is a null literal or a null reference variable, </a:t>
-            </a:r>
-            <a:r>
-              <a:rPr lang="en-US" sz="2000" dirty="0" smtClean="0"/>
-              <a:t>the string </a:t>
-            </a:r>
-            <a:r>
-              <a:rPr lang="en-US" sz="2000" dirty="0"/>
-              <a:t>"null" is </a:t>
-            </a:r>
-            <a:r>
-              <a:rPr lang="en-US" sz="2000" dirty="0" smtClean="0"/>
-              <a:t>used.</a:t>
-            </a:r>
-          </a:p>
-          <a:p>
-            <a:pPr>
-              <a:buNone/>
-            </a:pPr>
-            <a:endParaRPr lang="en-US" sz="2200" dirty="0"/>
+              <a:rPr lang="en-US" sz="2600" dirty="0" smtClean="0"/>
+              <a:t>Example : String </a:t>
+            </a:r>
+            <a:r>
+              <a:rPr lang="en-US" sz="2600" dirty="0" err="1" smtClean="0"/>
+              <a:t>str</a:t>
+            </a:r>
+            <a:r>
+              <a:rPr lang="en-US" sz="2600" dirty="0" smtClean="0"/>
+              <a:t> = “OCP”</a:t>
+            </a:r>
+          </a:p>
+          <a:p>
+            <a:r>
+              <a:rPr lang="en-US" sz="2800" dirty="0" smtClean="0"/>
+              <a:t>All string created using the above way are interned automatically by the JVM.</a:t>
+            </a:r>
+          </a:p>
+          <a:p>
+            <a:r>
+              <a:rPr lang="en-US" sz="2800" dirty="0" smtClean="0"/>
+              <a:t>In order to create a normal heap based object of string, </a:t>
+            </a:r>
+            <a:r>
+              <a:rPr lang="en-US" sz="2800" b="1" i="1" u="sng" dirty="0" smtClean="0">
+                <a:solidFill>
+                  <a:srgbClr val="FFFF00"/>
+                </a:solidFill>
+              </a:rPr>
+              <a:t>new</a:t>
+            </a:r>
+            <a:r>
+              <a:rPr lang="en-US" sz="2800" dirty="0" smtClean="0"/>
+              <a:t> operator is used. Interning does not apply on these objects and these act like any other Java object.</a:t>
+            </a:r>
+          </a:p>
+          <a:p>
+            <a:r>
+              <a:rPr lang="en-US" sz="2800" dirty="0" smtClean="0"/>
+              <a:t>In order to convert a heap based normal String object, intern() method of String comes in handy. If intern() method is called on objects created using the new operator , JVM searches through the string pool and if an object with the same character pattern is found , it is returned. Otherwise a new object is created on the string pool and returned. Any future request to created an interned object with the same character pattern is satisfied using the above object.</a:t>
+            </a:r>
+          </a:p>
+          <a:p>
+            <a:endParaRPr lang="en-US" sz="2800" dirty="0"/>
           </a:p>
         </p:txBody>
       </p:sp>
@@ -5943,7 +6176,7 @@
           <p:cNvPr id="4" name="Slide Number Placeholder 3">
             <a:extLst>
               <a:ext uri="{FF2B5EF4-FFF2-40B4-BE49-F238E27FC236}">
-                <a16:creationId xmlns:a16="http://schemas.microsoft.com/office/drawing/2014/main" xmlns="" id="{62B4CE3A-8C88-45AA-A849-57E5A7AC22C1}"/>
+                <a16:creationId xmlns="" xmlns:a16="http://schemas.microsoft.com/office/drawing/2014/main" id="{62B4CE3A-8C88-45AA-A849-57E5A7AC22C1}"/>
               </a:ext>
             </a:extLst>
           </p:cNvPr>
@@ -5982,10 +6215,10 @@
           <p:cNvPr id="11" name="Rectangle 10">
             <a:extLst>
               <a:ext uri="{FF2B5EF4-FFF2-40B4-BE49-F238E27FC236}">
-                <a16:creationId xmlns:a16="http://schemas.microsoft.com/office/drawing/2014/main" xmlns="" id="{5F253864-26FA-4AB1-9F0A-4F57D870EE85}"/>
+                <a16:creationId xmlns="" xmlns:a16="http://schemas.microsoft.com/office/drawing/2014/main" id="{5F253864-26FA-4AB1-9F0A-4F57D870EE85}"/>
               </a:ext>
               <a:ext uri="{C183D7F6-B498-43B3-948B-1728B52AA6E4}">
-                <adec:decorative xmlns="" xmlns:adec="http://schemas.microsoft.com/office/drawing/2017/decorative" val="1"/>
+                <adec:decorative xmlns:adec="http://schemas.microsoft.com/office/drawing/2017/decorative" xmlns="" val="1"/>
               </a:ext>
             </a:extLst>
           </p:cNvPr>
@@ -6038,7 +6271,7 @@
     </p:spTree>
     <p:extLst>
       <p:ext uri="{BB962C8B-B14F-4D97-AF65-F5344CB8AC3E}">
-        <p14:creationId xmlns:p14="http://schemas.microsoft.com/office/powerpoint/2010/main" xmlns="" val="2602595213"/>
+        <p14:creationId xmlns="" xmlns:p14="http://schemas.microsoft.com/office/powerpoint/2010/main" val="1886034423"/>
       </p:ext>
     </p:extLst>
   </p:cSld>
@@ -6074,42 +6307,41 @@
       </p:grpSpPr>
       <p:sp>
         <p:nvSpPr>
-          <p:cNvPr id="2" name="Title 1">
-            <a:extLst>
-              <a:ext uri="{FF2B5EF4-FFF2-40B4-BE49-F238E27FC236}">
-                <a16:creationId xmlns:a16="http://schemas.microsoft.com/office/drawing/2014/main" xmlns="" id="{E199600F-A17E-4354-A7AB-0CC2A43A9354}"/>
-              </a:ext>
-            </a:extLst>
-          </p:cNvPr>
-          <p:cNvSpPr>
-            <a:spLocks noGrp="1"/>
-          </p:cNvSpPr>
-          <p:nvPr>
-            <p:ph type="title"/>
-          </p:nvPr>
-        </p:nvSpPr>
-        <p:spPr>
-          <a:xfrm>
-            <a:off x="838200" y="641855"/>
-            <a:ext cx="10515600" cy="772107"/>
-          </a:xfrm>
-        </p:spPr>
+          <p:cNvPr id="4" name="Slide Number Placeholder 3"/>
+          <p:cNvSpPr>
+            <a:spLocks noGrp="1"/>
+          </p:cNvSpPr>
+          <p:nvPr>
+            <p:ph type="sldNum" sz="quarter" idx="10"/>
+          </p:nvPr>
+        </p:nvSpPr>
+        <p:spPr/>
         <p:txBody>
           <a:bodyPr/>
           <a:lstStyle/>
           <a:p>
-            <a:pPr algn="ctr"/>
-            <a:r>
-              <a:rPr lang="en-US" dirty="0" smtClean="0"/>
-              <a:t>String Builder</a:t>
-            </a:r>
+            <a:r>
+              <a:rPr lang="en-US" smtClean="0"/>
+              <a:t>PAGE </a:t>
+            </a:r>
+            <a:fld id="{4A9B5881-4007-4345-955A-79C2656F0C49}" type="slidenum">
+              <a:rPr lang="en-US" smtClean="0"/>
+              <a:pPr/>
+              <a:t>7</a:t>
+            </a:fld>
             <a:endParaRPr lang="en-US" dirty="0"/>
           </a:p>
         </p:txBody>
       </p:sp>
       <p:sp>
         <p:nvSpPr>
-          <p:cNvPr id="6" name="Content Placeholder 5"/>
+          <p:cNvPr id="6" name="Content Placeholder 2">
+            <a:extLst>
+              <a:ext uri="{FF2B5EF4-FFF2-40B4-BE49-F238E27FC236}">
+                <a16:creationId xmlns="" xmlns:a16="http://schemas.microsoft.com/office/drawing/2014/main" id="{FA6A4B49-27C8-46B6-8B11-AD7E8F615E2C}"/>
+              </a:ext>
+            </a:extLst>
+          </p:cNvPr>
           <p:cNvSpPr>
             <a:spLocks noGrp="1"/>
           </p:cNvSpPr>
@@ -6119,8 +6351,8 @@
         </p:nvSpPr>
         <p:spPr>
           <a:xfrm>
-            <a:off x="682625" y="2010137"/>
-            <a:ext cx="10515600" cy="4351338"/>
+            <a:off x="469900" y="1397000"/>
+            <a:ext cx="4762499" cy="4940300"/>
           </a:xfrm>
         </p:spPr>
         <p:txBody>
@@ -6130,141 +6362,133 @@
           <a:lstStyle/>
           <a:p>
             <a:r>
-              <a:rPr lang="en-US" sz="2400" dirty="0" err="1" smtClean="0"/>
+              <a:rPr lang="en-US" sz="2800" dirty="0" smtClean="0"/>
+              <a:t>‘+’ operator is overloaded for </a:t>
+            </a:r>
+            <a:r>
+              <a:rPr lang="en-US" sz="2800" dirty="0" smtClean="0"/>
+              <a:t>Strings and also known as string concatenation operator.</a:t>
+            </a:r>
+          </a:p>
+          <a:p>
+            <a:r>
+              <a:rPr lang="en-US" sz="2800" dirty="0" smtClean="0"/>
+              <a:t>We can also use </a:t>
+            </a:r>
+            <a:r>
+              <a:rPr lang="en-US" sz="2800" dirty="0" smtClean="0"/>
+              <a:t> </a:t>
+            </a:r>
+            <a:r>
+              <a:rPr lang="en-US" sz="2800" dirty="0" err="1" smtClean="0"/>
+              <a:t>concat</a:t>
+            </a:r>
+            <a:r>
+              <a:rPr lang="en-US" sz="2800" dirty="0" smtClean="0"/>
+              <a:t>() method of  string to join two strings.</a:t>
+            </a:r>
+          </a:p>
+          <a:p>
+            <a:r>
+              <a:rPr lang="en-US" sz="2800" dirty="0" smtClean="0"/>
+              <a:t>Another way is to use </a:t>
+            </a:r>
+            <a:r>
+              <a:rPr lang="en-US" sz="2800" dirty="0" err="1" smtClean="0"/>
+              <a:t>S</a:t>
+            </a:r>
+            <a:r>
+              <a:rPr lang="en-US" sz="2800" dirty="0" err="1" smtClean="0"/>
+              <a:t>tringBuffer</a:t>
+            </a:r>
+            <a:r>
+              <a:rPr lang="en-US" sz="2800" dirty="0" smtClean="0"/>
+              <a:t> and </a:t>
+            </a:r>
+            <a:r>
+              <a:rPr lang="en-US" sz="2800" dirty="0" err="1" smtClean="0"/>
               <a:t>StringBuilder</a:t>
             </a:r>
             <a:r>
-              <a:rPr lang="en-US" sz="2400" dirty="0" smtClean="0"/>
-              <a:t> class is a mutable version of the String class. This class comes in handy when we need to do lots CRUD operations on the String and do not want that a new object is created each time a change happens.</a:t>
-            </a:r>
-          </a:p>
-          <a:p>
-            <a:r>
-              <a:rPr lang="en-US" sz="2400" dirty="0" smtClean="0"/>
-              <a:t>No “interning” happens on a </a:t>
-            </a:r>
-            <a:r>
-              <a:rPr lang="en-US" sz="2400" dirty="0" err="1" smtClean="0"/>
-              <a:t>StringBuilder</a:t>
-            </a:r>
-            <a:r>
-              <a:rPr lang="en-US" sz="2400" dirty="0" smtClean="0"/>
-              <a:t> object.</a:t>
-            </a:r>
-          </a:p>
-          <a:p>
-            <a:r>
-              <a:rPr lang="en-US" sz="2400" dirty="0" err="1" smtClean="0"/>
-              <a:t>StringBuilder</a:t>
-            </a:r>
-            <a:r>
-              <a:rPr lang="en-US" sz="2400" dirty="0" smtClean="0"/>
-              <a:t> is just like any other normal Java object. It has many useful utility methods which can used to implement String operations more efficiently.</a:t>
-            </a:r>
-          </a:p>
-          <a:p>
-            <a:endParaRPr lang="en-US" sz="2400" dirty="0" smtClean="0"/>
-          </a:p>
-        </p:txBody>
-      </p:sp>
-      <p:sp>
-        <p:nvSpPr>
-          <p:cNvPr id="4" name="Slide Number Placeholder 3">
-            <a:extLst>
-              <a:ext uri="{FF2B5EF4-FFF2-40B4-BE49-F238E27FC236}">
-                <a16:creationId xmlns:a16="http://schemas.microsoft.com/office/drawing/2014/main" xmlns="" id="{62B4CE3A-8C88-45AA-A849-57E5A7AC22C1}"/>
-              </a:ext>
-            </a:extLst>
-          </p:cNvPr>
-          <p:cNvSpPr>
-            <a:spLocks noGrp="1"/>
-          </p:cNvSpPr>
-          <p:nvPr>
-            <p:ph type="sldNum" sz="quarter" idx="10"/>
-          </p:nvPr>
-        </p:nvSpPr>
-        <p:spPr/>
+              <a:rPr lang="en-US" sz="2800" dirty="0" smtClean="0"/>
+              <a:t> Classes.</a:t>
+            </a:r>
+            <a:endParaRPr lang="en-US" sz="2800" dirty="0" smtClean="0"/>
+          </a:p>
+          <a:p>
+            <a:endParaRPr lang="en-US" sz="2800" dirty="0" smtClean="0"/>
+          </a:p>
+          <a:p>
+            <a:endParaRPr lang="en-US" sz="2800" dirty="0" smtClean="0"/>
+          </a:p>
+          <a:p>
+            <a:pPr>
+              <a:buNone/>
+            </a:pPr>
+            <a:endParaRPr lang="en-US" sz="2200" dirty="0"/>
+          </a:p>
+        </p:txBody>
+      </p:sp>
+      <p:sp>
+        <p:nvSpPr>
+          <p:cNvPr id="7" name="Title 1">
+            <a:extLst>
+              <a:ext uri="{FF2B5EF4-FFF2-40B4-BE49-F238E27FC236}">
+                <a16:creationId xmlns="" xmlns:a16="http://schemas.microsoft.com/office/drawing/2014/main" id="{E199600F-A17E-4354-A7AB-0CC2A43A9354}"/>
+              </a:ext>
+            </a:extLst>
+          </p:cNvPr>
+          <p:cNvSpPr>
+            <a:spLocks noGrp="1"/>
+          </p:cNvSpPr>
+          <p:nvPr>
+            <p:ph type="title"/>
+          </p:nvPr>
+        </p:nvSpPr>
+        <p:spPr>
+          <a:xfrm>
+            <a:off x="838199" y="217379"/>
+            <a:ext cx="10655301" cy="833663"/>
+          </a:xfrm>
+        </p:spPr>
         <p:txBody>
           <a:bodyPr/>
           <a:lstStyle/>
           <a:p>
-            <a:r>
-              <a:rPr lang="en-US" dirty="0"/>
-              <a:t>PAGE </a:t>
-            </a:r>
-            <a:fld id="{4A9B5881-4007-4345-955A-79C2656F0C49}" type="slidenum">
-              <a:rPr lang="en-US" smtClean="0"/>
-              <a:pPr/>
-              <a:t>7</a:t>
-            </a:fld>
+            <a:pPr algn="ctr"/>
+            <a:r>
+              <a:rPr lang="en-US" dirty="0" smtClean="0"/>
+              <a:t>String Concatenation</a:t>
+            </a:r>
             <a:endParaRPr lang="en-US" dirty="0"/>
           </a:p>
         </p:txBody>
       </p:sp>
-      <p:sp>
-        <p:nvSpPr>
-          <p:cNvPr id="11" name="Rectangle 10">
-            <a:extLst>
-              <a:ext uri="{FF2B5EF4-FFF2-40B4-BE49-F238E27FC236}">
-                <a16:creationId xmlns:a16="http://schemas.microsoft.com/office/drawing/2014/main" xmlns="" id="{5F253864-26FA-4AB1-9F0A-4F57D870EE85}"/>
-              </a:ext>
-              <a:ext uri="{C183D7F6-B498-43B3-948B-1728B52AA6E4}">
-                <adec:decorative xmlns="" xmlns:adec="http://schemas.microsoft.com/office/drawing/2017/decorative" val="1"/>
-              </a:ext>
-            </a:extLst>
-          </p:cNvPr>
-          <p:cNvSpPr/>
+      <p:pic>
+        <p:nvPicPr>
+          <p:cNvPr id="8" name="Picture 7" descr="string concatenation.png"/>
+          <p:cNvPicPr>
+            <a:picLocks noChangeAspect="1"/>
+          </p:cNvPicPr>
           <p:nvPr/>
-        </p:nvSpPr>
-        <p:spPr>
-          <a:xfrm>
-            <a:off x="6249555" y="6562004"/>
-            <a:ext cx="2552123" cy="159471"/>
+        </p:nvPicPr>
+        <p:blipFill>
+          <a:blip r:embed="rId2"/>
+          <a:stretch>
+            <a:fillRect/>
+          </a:stretch>
+        </p:blipFill>
+        <p:spPr>
+          <a:xfrm>
+            <a:off x="5435600" y="1371600"/>
+            <a:ext cx="6235700" cy="5162652"/>
           </a:xfrm>
           <a:prstGeom prst="rect">
             <a:avLst/>
           </a:prstGeom>
-          <a:solidFill>
-            <a:schemeClr val="tx1">
-              <a:lumMod val="85000"/>
-              <a:lumOff val="15000"/>
-            </a:schemeClr>
-          </a:solidFill>
-          <a:ln>
-            <a:noFill/>
-          </a:ln>
-        </p:spPr>
-        <p:style>
-          <a:lnRef idx="2">
-            <a:schemeClr val="accent1">
-              <a:shade val="50000"/>
-            </a:schemeClr>
-          </a:lnRef>
-          <a:fillRef idx="1">
-            <a:schemeClr val="accent1"/>
-          </a:fillRef>
-          <a:effectRef idx="0">
-            <a:schemeClr val="accent1"/>
-          </a:effectRef>
-          <a:fontRef idx="minor">
-            <a:schemeClr val="lt1"/>
-          </a:fontRef>
-        </p:style>
-        <p:txBody>
-          <a:bodyPr anchor="ctr"/>
-          <a:lstStyle/>
-          <a:p>
-            <a:pPr algn="ctr"/>
-            <a:endParaRPr lang="en-US" sz="1200" dirty="0"/>
-          </a:p>
-        </p:txBody>
-      </p:sp>
+        </p:spPr>
+      </p:pic>
     </p:spTree>
-    <p:extLst>
-      <p:ext uri="{BB962C8B-B14F-4D97-AF65-F5344CB8AC3E}">
-        <p14:creationId xmlns:p14="http://schemas.microsoft.com/office/powerpoint/2010/main" xmlns="" val="1287735390"/>
-      </p:ext>
-    </p:extLst>
   </p:cSld>
   <p:clrMapOvr>
     <a:masterClrMapping/>
@@ -6301,7 +6525,7 @@
           <p:cNvPr id="2" name="Title 1">
             <a:extLst>
               <a:ext uri="{FF2B5EF4-FFF2-40B4-BE49-F238E27FC236}">
-                <a16:creationId xmlns:a16="http://schemas.microsoft.com/office/drawing/2014/main" xmlns="" id="{E199600F-A17E-4354-A7AB-0CC2A43A9354}"/>
+                <a16:creationId xmlns="" xmlns:a16="http://schemas.microsoft.com/office/drawing/2014/main" id="{E199600F-A17E-4354-A7AB-0CC2A43A9354}"/>
               </a:ext>
             </a:extLst>
           </p:cNvPr>
@@ -6314,8 +6538,8 @@
         </p:nvSpPr>
         <p:spPr>
           <a:xfrm>
-            <a:off x="838200" y="641855"/>
-            <a:ext cx="10515600" cy="772107"/>
+            <a:off x="838199" y="611079"/>
+            <a:ext cx="10515600" cy="833663"/>
           </a:xfrm>
         </p:spPr>
         <p:txBody>
@@ -6325,7 +6549,7 @@
             <a:pPr algn="ctr"/>
             <a:r>
               <a:rPr lang="en-US" dirty="0" smtClean="0"/>
-              <a:t>Properties of An Array</a:t>
+              <a:t>Other Points</a:t>
             </a:r>
             <a:endParaRPr lang="en-US" dirty="0"/>
           </a:p>
@@ -6333,7 +6557,13 @@
       </p:sp>
       <p:sp>
         <p:nvSpPr>
-          <p:cNvPr id="6" name="Content Placeholder 5"/>
+          <p:cNvPr id="3" name="Content Placeholder 2">
+            <a:extLst>
+              <a:ext uri="{FF2B5EF4-FFF2-40B4-BE49-F238E27FC236}">
+                <a16:creationId xmlns="" xmlns:a16="http://schemas.microsoft.com/office/drawing/2014/main" id="{FA6A4B49-27C8-46B6-8B11-AD7E8F615E2C}"/>
+              </a:ext>
+            </a:extLst>
+          </p:cNvPr>
           <p:cNvSpPr>
             <a:spLocks noGrp="1"/>
           </p:cNvSpPr>
@@ -6343,8 +6573,8 @@
         </p:nvSpPr>
         <p:spPr>
           <a:xfrm>
-            <a:off x="682625" y="2010137"/>
-            <a:ext cx="10515600" cy="4351338"/>
+            <a:off x="838199" y="1825625"/>
+            <a:ext cx="10515599" cy="4351338"/>
           </a:xfrm>
         </p:spPr>
         <p:txBody>
@@ -6354,21 +6584,116 @@
           <a:lstStyle/>
           <a:p>
             <a:r>
-              <a:rPr lang="en-US" sz="2400" dirty="0" smtClean="0"/>
-              <a:t>As all objects in java extend from Object class , similarly an array object also extends from Object class.</a:t>
-            </a:r>
-          </a:p>
-          <a:p>
-            <a:r>
-              <a:rPr lang="en-US" sz="2400" dirty="0" smtClean="0"/>
-              <a:t>Therefore an array of Object type can hold objects of all types whether it be primitive or reference types.</a:t>
-            </a:r>
-          </a:p>
-          <a:p>
-            <a:r>
-              <a:rPr lang="en-US" sz="2400" dirty="0" smtClean="0"/>
-              <a:t>Since arrays are objects , hence all arrays are assigned default values at the time of creation. All primitive type arrays are assigned default values as zero while non-primitives are assigned null.</a:t>
-            </a:r>
+              <a:rPr lang="en-US" sz="2800" dirty="0" smtClean="0"/>
+              <a:t>String concatenation </a:t>
+            </a:r>
+            <a:r>
+              <a:rPr lang="en-US" sz="2800" dirty="0" smtClean="0"/>
+              <a:t>rules:</a:t>
+            </a:r>
+          </a:p>
+          <a:p>
+            <a:pPr lvl="1"/>
+            <a:r>
+              <a:rPr lang="en-US" sz="2000" dirty="0"/>
+              <a:t>If the non-string operand is a reference variable, the </a:t>
+            </a:r>
+            <a:r>
+              <a:rPr lang="en-US" sz="2000" dirty="0" err="1"/>
+              <a:t>toString</a:t>
+            </a:r>
+            <a:r>
+              <a:rPr lang="en-US" sz="2000" dirty="0"/>
+              <a:t>() </a:t>
+            </a:r>
+            <a:r>
+              <a:rPr lang="en-US" sz="2000" dirty="0" smtClean="0"/>
+              <a:t>method is </a:t>
+            </a:r>
+            <a:r>
+              <a:rPr lang="en-US" sz="2000" dirty="0"/>
+              <a:t>invoked on that reference to get a string representation of that object.</a:t>
+            </a:r>
+          </a:p>
+          <a:p>
+            <a:pPr lvl="1"/>
+            <a:r>
+              <a:rPr lang="en-US" sz="2000" dirty="0" smtClean="0"/>
+              <a:t>If </a:t>
+            </a:r>
+            <a:r>
+              <a:rPr lang="en-US" sz="2000" dirty="0"/>
+              <a:t>the non-string operand is a primitive variable or a primitive literal </a:t>
+            </a:r>
+            <a:r>
+              <a:rPr lang="en-US" sz="2000" dirty="0" smtClean="0"/>
+              <a:t>value</a:t>
+            </a:r>
+            <a:r>
+              <a:rPr lang="en-US" sz="2000" dirty="0" smtClean="0"/>
+              <a:t>, a </a:t>
+            </a:r>
+            <a:r>
+              <a:rPr lang="en-US" sz="2000" dirty="0"/>
+              <a:t>wrapper object of the same type is created using the primitive value </a:t>
+            </a:r>
+            <a:r>
+              <a:rPr lang="en-US" sz="2000" dirty="0" smtClean="0"/>
+              <a:t>and then </a:t>
+            </a:r>
+            <a:r>
+              <a:rPr lang="en-US" sz="2000" dirty="0"/>
+              <a:t>a string representation is obtained by invoking </a:t>
+            </a:r>
+            <a:r>
+              <a:rPr lang="en-US" sz="2000" dirty="0" smtClean="0"/>
+              <a:t> </a:t>
+            </a:r>
+            <a:r>
+              <a:rPr lang="en-US" sz="2000" dirty="0" err="1" smtClean="0"/>
+              <a:t>toString</a:t>
+            </a:r>
+            <a:r>
+              <a:rPr lang="en-US" sz="2000" dirty="0"/>
+              <a:t>() on </a:t>
+            </a:r>
+            <a:r>
+              <a:rPr lang="en-US" sz="2000" dirty="0" smtClean="0"/>
+              <a:t>the wrapper </a:t>
+            </a:r>
+            <a:r>
+              <a:rPr lang="en-US" sz="2000" dirty="0"/>
+              <a:t>object.</a:t>
+            </a:r>
+          </a:p>
+          <a:p>
+            <a:pPr lvl="1"/>
+            <a:r>
+              <a:rPr lang="en-US" sz="2000" dirty="0" smtClean="0"/>
+              <a:t>If </a:t>
+            </a:r>
+            <a:r>
+              <a:rPr lang="en-US" sz="2000" dirty="0"/>
+              <a:t>the one of the operands is a null literal or a null reference variable, </a:t>
+            </a:r>
+            <a:r>
+              <a:rPr lang="en-US" sz="2000" dirty="0" smtClean="0"/>
+              <a:t>the string </a:t>
+            </a:r>
+            <a:r>
+              <a:rPr lang="en-US" sz="2000" dirty="0"/>
+              <a:t>"null" is </a:t>
+            </a:r>
+            <a:r>
+              <a:rPr lang="en-US" sz="2000" dirty="0" smtClean="0"/>
+              <a:t>used.</a:t>
+            </a:r>
+          </a:p>
+          <a:p>
+            <a:pPr>
+              <a:buNone/>
+            </a:pPr>
+            <a:endParaRPr lang="en-US" sz="2200" dirty="0"/>
           </a:p>
         </p:txBody>
       </p:sp>
@@ -6377,7 +6702,7 @@
           <p:cNvPr id="4" name="Slide Number Placeholder 3">
             <a:extLst>
               <a:ext uri="{FF2B5EF4-FFF2-40B4-BE49-F238E27FC236}">
-                <a16:creationId xmlns:a16="http://schemas.microsoft.com/office/drawing/2014/main" xmlns="" id="{62B4CE3A-8C88-45AA-A849-57E5A7AC22C1}"/>
+                <a16:creationId xmlns="" xmlns:a16="http://schemas.microsoft.com/office/drawing/2014/main" id="{62B4CE3A-8C88-45AA-A849-57E5A7AC22C1}"/>
               </a:ext>
             </a:extLst>
           </p:cNvPr>
@@ -6388,7 +6713,12 @@
             <p:ph type="sldNum" sz="quarter" idx="10"/>
           </p:nvPr>
         </p:nvSpPr>
-        <p:spPr/>
+        <p:spPr>
+          <a:xfrm>
+            <a:off x="11353800" y="6361475"/>
+            <a:ext cx="838200" cy="360000"/>
+          </a:xfrm>
+        </p:spPr>
         <p:txBody>
           <a:bodyPr/>
           <a:lstStyle/>
@@ -6411,10 +6741,10 @@
           <p:cNvPr id="11" name="Rectangle 10">
             <a:extLst>
               <a:ext uri="{FF2B5EF4-FFF2-40B4-BE49-F238E27FC236}">
-                <a16:creationId xmlns:a16="http://schemas.microsoft.com/office/drawing/2014/main" xmlns="" id="{5F253864-26FA-4AB1-9F0A-4F57D870EE85}"/>
+                <a16:creationId xmlns="" xmlns:a16="http://schemas.microsoft.com/office/drawing/2014/main" id="{5F253864-26FA-4AB1-9F0A-4F57D870EE85}"/>
               </a:ext>
               <a:ext uri="{C183D7F6-B498-43B3-948B-1728B52AA6E4}">
-                <adec:decorative xmlns="" xmlns:adec="http://schemas.microsoft.com/office/drawing/2017/decorative" val="1"/>
+                <adec:decorative xmlns:adec="http://schemas.microsoft.com/office/drawing/2017/decorative" xmlns="" val="1"/>
               </a:ext>
             </a:extLst>
           </p:cNvPr>
@@ -6467,7 +6797,7 @@
     </p:spTree>
     <p:extLst>
       <p:ext uri="{BB962C8B-B14F-4D97-AF65-F5344CB8AC3E}">
-        <p14:creationId xmlns:p14="http://schemas.microsoft.com/office/powerpoint/2010/main" xmlns="" val="1023982374"/>
+        <p14:creationId xmlns="" xmlns:p14="http://schemas.microsoft.com/office/powerpoint/2010/main" val="2602595213"/>
       </p:ext>
     </p:extLst>
   </p:cSld>
@@ -6506,7 +6836,7 @@
           <p:cNvPr id="2" name="Title 1">
             <a:extLst>
               <a:ext uri="{FF2B5EF4-FFF2-40B4-BE49-F238E27FC236}">
-                <a16:creationId xmlns:a16="http://schemas.microsoft.com/office/drawing/2014/main" xmlns="" id="{C8F58AE6-56F6-44E8-8BBF-23277B1773E4}"/>
+                <a16:creationId xmlns="" xmlns:a16="http://schemas.microsoft.com/office/drawing/2014/main" id="{E199600F-A17E-4354-A7AB-0CC2A43A9354}"/>
               </a:ext>
             </a:extLst>
           </p:cNvPr>
@@ -6517,7 +6847,12 @@
             <p:ph type="title"/>
           </p:nvPr>
         </p:nvSpPr>
-        <p:spPr/>
+        <p:spPr>
+          <a:xfrm>
+            <a:off x="838200" y="641855"/>
+            <a:ext cx="10515600" cy="772107"/>
+          </a:xfrm>
+        </p:spPr>
         <p:txBody>
           <a:bodyPr/>
           <a:lstStyle/>
@@ -6525,47 +6860,78 @@
             <a:pPr algn="ctr"/>
             <a:r>
               <a:rPr lang="en-US" dirty="0" smtClean="0"/>
-              <a:t>Questions ??</a:t>
+              <a:t>String Builder</a:t>
             </a:r>
             <a:endParaRPr lang="en-US" dirty="0"/>
           </a:p>
         </p:txBody>
       </p:sp>
-      <p:pic>
-        <p:nvPicPr>
-          <p:cNvPr id="3" name="Content Placeholder 2"/>
-          <p:cNvPicPr>
-            <a:picLocks noGrp="1" noChangeAspect="1"/>
-          </p:cNvPicPr>
+      <p:sp>
+        <p:nvSpPr>
+          <p:cNvPr id="6" name="Content Placeholder 5"/>
+          <p:cNvSpPr>
+            <a:spLocks noGrp="1"/>
+          </p:cNvSpPr>
           <p:nvPr>
             <p:ph idx="1"/>
           </p:nvPr>
-        </p:nvPicPr>
-        <p:blipFill>
-          <a:blip r:embed="rId2">
-            <a:extLst>
-              <a:ext uri="{28A0092B-C50C-407E-A947-70E740481C1C}">
-                <a14:useLocalDpi xmlns:a14="http://schemas.microsoft.com/office/drawing/2010/main" xmlns="" val="0"/>
-              </a:ext>
-            </a:extLst>
-          </a:blip>
-          <a:stretch>
-            <a:fillRect/>
-          </a:stretch>
-        </p:blipFill>
-        <p:spPr>
-          <a:xfrm>
-            <a:off x="4705350" y="1487686"/>
-            <a:ext cx="6648450" cy="3739753"/>
-          </a:xfrm>
-        </p:spPr>
-      </p:pic>
-      <p:sp>
-        <p:nvSpPr>
-          <p:cNvPr id="20" name="Slide Number Placeholder 19">
-            <a:extLst>
-              <a:ext uri="{FF2B5EF4-FFF2-40B4-BE49-F238E27FC236}">
-                <a16:creationId xmlns:a16="http://schemas.microsoft.com/office/drawing/2014/main" xmlns="" id="{3AEC0301-E9AA-4478-9E23-C372DBDCE653}"/>
+        </p:nvSpPr>
+        <p:spPr>
+          <a:xfrm>
+            <a:off x="682625" y="2010137"/>
+            <a:ext cx="10515600" cy="4351338"/>
+          </a:xfrm>
+        </p:spPr>
+        <p:txBody>
+          <a:bodyPr>
+            <a:normAutofit/>
+          </a:bodyPr>
+          <a:lstStyle/>
+          <a:p>
+            <a:r>
+              <a:rPr lang="en-US" sz="2400" dirty="0" err="1" smtClean="0"/>
+              <a:t>StringBuilder</a:t>
+            </a:r>
+            <a:r>
+              <a:rPr lang="en-US" sz="2400" dirty="0" smtClean="0"/>
+              <a:t> class is a mutable version of the String class. This class comes in handy when we need to do lots CRUD operations on the String and do not want that a new object is created each time a change happens.</a:t>
+            </a:r>
+          </a:p>
+          <a:p>
+            <a:r>
+              <a:rPr lang="en-US" sz="2400" dirty="0" smtClean="0"/>
+              <a:t>No “interning” happens on a </a:t>
+            </a:r>
+            <a:r>
+              <a:rPr lang="en-US" sz="2400" dirty="0" err="1" smtClean="0"/>
+              <a:t>StringBuilder</a:t>
+            </a:r>
+            <a:r>
+              <a:rPr lang="en-US" sz="2400" dirty="0" smtClean="0"/>
+              <a:t> object.</a:t>
+            </a:r>
+          </a:p>
+          <a:p>
+            <a:r>
+              <a:rPr lang="en-US" sz="2400" dirty="0" err="1" smtClean="0"/>
+              <a:t>StringBuilder</a:t>
+            </a:r>
+            <a:r>
+              <a:rPr lang="en-US" sz="2400" dirty="0" smtClean="0"/>
+              <a:t> is just like any other normal Java object. It has many useful utility methods which can used to implement String operations more efficiently.</a:t>
+            </a:r>
+          </a:p>
+          <a:p>
+            <a:endParaRPr lang="en-US" sz="2400" dirty="0" smtClean="0"/>
+          </a:p>
+        </p:txBody>
+      </p:sp>
+      <p:sp>
+        <p:nvSpPr>
+          <p:cNvPr id="4" name="Slide Number Placeholder 3">
+            <a:extLst>
+              <a:ext uri="{FF2B5EF4-FFF2-40B4-BE49-F238E27FC236}">
+                <a16:creationId xmlns="" xmlns:a16="http://schemas.microsoft.com/office/drawing/2014/main" id="{62B4CE3A-8C88-45AA-A849-57E5A7AC22C1}"/>
               </a:ext>
             </a:extLst>
           </p:cNvPr>
@@ -6576,12 +6942,7 @@
             <p:ph type="sldNum" sz="quarter" idx="10"/>
           </p:nvPr>
         </p:nvSpPr>
-        <p:spPr>
-          <a:xfrm>
-            <a:off x="10717695" y="6363134"/>
-            <a:ext cx="838200" cy="360000"/>
-          </a:xfrm>
-        </p:spPr>
+        <p:spPr/>
         <p:txBody>
           <a:bodyPr/>
           <a:lstStyle/>
@@ -6601,13 +6962,13 @@
       </p:sp>
       <p:sp>
         <p:nvSpPr>
-          <p:cNvPr id="10" name="Isosceles Triangle 9">
-            <a:extLst>
-              <a:ext uri="{FF2B5EF4-FFF2-40B4-BE49-F238E27FC236}">
-                <a16:creationId xmlns:a16="http://schemas.microsoft.com/office/drawing/2014/main" xmlns="" id="{792980D7-ED01-4955-83DB-59BA18C94FBA}"/>
+          <p:cNvPr id="11" name="Rectangle 10">
+            <a:extLst>
+              <a:ext uri="{FF2B5EF4-FFF2-40B4-BE49-F238E27FC236}">
+                <a16:creationId xmlns="" xmlns:a16="http://schemas.microsoft.com/office/drawing/2014/main" id="{5F253864-26FA-4AB1-9F0A-4F57D870EE85}"/>
               </a:ext>
               <a:ext uri="{C183D7F6-B498-43B3-948B-1728B52AA6E4}">
-                <adec:decorative xmlns="" xmlns:adec="http://schemas.microsoft.com/office/drawing/2017/decorative" val="1"/>
+                <adec:decorative xmlns:adec="http://schemas.microsoft.com/office/drawing/2017/decorative" xmlns="" val="1"/>
               </a:ext>
             </a:extLst>
           </p:cNvPr>
@@ -6615,15 +6976,18 @@
           <p:nvPr/>
         </p:nvSpPr>
         <p:spPr>
-          <a:xfrm rot="10800000">
-            <a:off x="10006315" y="6271566"/>
-            <a:ext cx="142847" cy="91567"/>
-          </a:xfrm>
-          <a:prstGeom prst="triangle">
+          <a:xfrm>
+            <a:off x="6249555" y="6562004"/>
+            <a:ext cx="2552123" cy="159471"/>
+          </a:xfrm>
+          <a:prstGeom prst="rect">
             <a:avLst/>
           </a:prstGeom>
           <a:solidFill>
-            <a:schemeClr val="bg1"/>
+            <a:schemeClr val="tx1">
+              <a:lumMod val="85000"/>
+              <a:lumOff val="15000"/>
+            </a:schemeClr>
           </a:solidFill>
           <a:ln>
             <a:noFill/>
@@ -6646,46 +7010,18 @@
           </a:fontRef>
         </p:style>
         <p:txBody>
-          <a:bodyPr rtlCol="0" anchor="ctr"/>
+          <a:bodyPr anchor="ctr"/>
           <a:lstStyle/>
           <a:p>
             <a:pPr algn="ctr"/>
-            <a:endParaRPr lang="en-US" dirty="0"/>
-          </a:p>
-        </p:txBody>
-      </p:sp>
-      <p:sp>
-        <p:nvSpPr>
-          <p:cNvPr id="4" name="Rectangle 3"/>
-          <p:cNvSpPr/>
-          <p:nvPr/>
-        </p:nvSpPr>
-        <p:spPr>
-          <a:xfrm>
-            <a:off x="5785658" y="3244334"/>
-            <a:ext cx="620683" cy="369332"/>
-          </a:xfrm>
-          <a:prstGeom prst="rect">
-            <a:avLst/>
-          </a:prstGeom>
-        </p:spPr>
-        <p:txBody>
-          <a:bodyPr wrap="none">
-            <a:spAutoFit/>
-          </a:bodyPr>
-          <a:lstStyle/>
-          <a:p>
-            <a:r>
-              <a:rPr lang="en-US" dirty="0"/>
-              <a:t>a b c</a:t>
-            </a:r>
+            <a:endParaRPr lang="en-US" sz="1200" dirty="0"/>
           </a:p>
         </p:txBody>
       </p:sp>
     </p:spTree>
     <p:extLst>
       <p:ext uri="{BB962C8B-B14F-4D97-AF65-F5344CB8AC3E}">
-        <p14:creationId xmlns:p14="http://schemas.microsoft.com/office/powerpoint/2010/main" xmlns="" val="1704949556"/>
+        <p14:creationId xmlns="" xmlns:p14="http://schemas.microsoft.com/office/powerpoint/2010/main" val="1287735390"/>
       </p:ext>
     </p:extLst>
   </p:cSld>
@@ -6897,7 +7233,7 @@
   <a:extraClrSchemeLst/>
   <a:extLst>
     <a:ext uri="{05A4C25C-085E-4340-85A3-A5531E510DB2}">
-      <thm15:themeFamily xmlns:thm15="http://schemas.microsoft.com/office/thememl/2012/main" xmlns="" name="Classic-Corporate_Teach a Course_Win32_SB - v2" id="{AAA48AC2-5F99-4B13-8624-B64D50F70391}" vid="{7E93EDBA-CDC2-40D2-AD59-7619D791F782}"/>
+      <thm15:themeFamily xmlns="" xmlns:thm15="http://schemas.microsoft.com/office/thememl/2012/main" name="Classic-Corporate_Teach a Course_Win32_SB - v2" id="{AAA48AC2-5F99-4B13-8624-B64D50F70391}" vid="{7E93EDBA-CDC2-40D2-AD59-7619D791F782}"/>
     </a:ext>
   </a:extLst>
 </a:theme>
@@ -7192,7 +7528,7 @@
   <a:extraClrSchemeLst/>
   <a:extLst>
     <a:ext uri="{05A4C25C-085E-4340-85A3-A5531E510DB2}">
-      <thm15:themeFamily xmlns:thm15="http://schemas.microsoft.com/office/thememl/2012/main" xmlns="" name="Office Theme" id="{62F939B6-93AF-4DB8-9C6B-D6C7DFDC589F}" vid="{4A3C46E8-61CC-4603-A589-7422A47A8E4A}"/>
+      <thm15:themeFamily xmlns="" xmlns:thm15="http://schemas.microsoft.com/office/thememl/2012/main" name="Office Theme" id="{62F939B6-93AF-4DB8-9C6B-D6C7DFDC589F}" vid="{4A3C46E8-61CC-4603-A589-7422A47A8E4A}"/>
     </a:ext>
   </a:extLst>
 </a:theme>
@@ -7487,7 +7823,7 @@
   <a:extraClrSchemeLst/>
   <a:extLst>
     <a:ext uri="{05A4C25C-085E-4340-85A3-A5531E510DB2}">
-      <thm15:themeFamily xmlns:thm15="http://schemas.microsoft.com/office/thememl/2012/main" xmlns="" name="Office Theme" id="{62F939B6-93AF-4DB8-9C6B-D6C7DFDC589F}" vid="{4A3C46E8-61CC-4603-A589-7422A47A8E4A}"/>
+      <thm15:themeFamily xmlns="" xmlns:thm15="http://schemas.microsoft.com/office/thememl/2012/main" name="Office Theme" id="{62F939B6-93AF-4DB8-9C6B-D6C7DFDC589F}" vid="{4A3C46E8-61CC-4603-A589-7422A47A8E4A}"/>
     </a:ext>
   </a:extLst>
 </a:theme>
@@ -7580,6 +7916,24 @@
 </file>
 
 <file path=customXml/item1.xml><?xml version="1.0" encoding="utf-8"?>
+<?mso-contentType ?>
+<FormTemplates xmlns="http://schemas.microsoft.com/sharepoint/v3/contenttype/forms">
+  <Display>DocumentLibraryForm</Display>
+  <Edit>DocumentLibraryForm</Edit>
+  <New>DocumentLibraryForm</New>
+</FormTemplates>
+</file>
+
+<file path=customXml/item2.xml><?xml version="1.0" encoding="utf-8"?>
+<p:properties xmlns:p="http://schemas.microsoft.com/office/2006/metadata/properties" xmlns:xsi="http://www.w3.org/2001/XMLSchema-instance" xmlns:pc="http://schemas.microsoft.com/office/infopath/2007/PartnerControls">
+  <documentManagement>
+    <Status xmlns="71af3243-3dd4-4a8d-8c0d-dd76da1f02a5">Not started</Status>
+    <MediaServiceKeyPoints xmlns="71af3243-3dd4-4a8d-8c0d-dd76da1f02a5" xsi:nil="true"/>
+  </documentManagement>
+</p:properties>
+</file>
+
+<file path=customXml/item3.xml><?xml version="1.0" encoding="utf-8"?>
 <ct:contentTypeSchema xmlns:ct="http://schemas.microsoft.com/office/2006/metadata/contentType" xmlns:ma="http://schemas.microsoft.com/office/2006/metadata/properties/metaAttributes" ct:_="" ma:_="" ma:contentTypeName="Document" ma:contentTypeID="0x01010079F111ED35F8CC479449609E8A0923A6" ma:contentTypeVersion="12" ma:contentTypeDescription="Create a new document." ma:contentTypeScope="" ma:versionID="fa6e671f1cd7e4d96ff9652be322dd5e">
   <xsd:schema xmlns:xsd="http://www.w3.org/2001/XMLSchema" xmlns:xs="http://www.w3.org/2001/XMLSchema" xmlns:p="http://schemas.microsoft.com/office/2006/metadata/properties" xmlns:ns2="71af3243-3dd4-4a8d-8c0d-dd76da1f02a5" xmlns:ns3="16c05727-aa75-4e4a-9b5f-8a80a1165891" targetNamespace="http://schemas.microsoft.com/office/2006/metadata/properties" ma:root="true" ma:fieldsID="4e2496f70b101db0b8013f30a071bbf7" ns2:_="" ns3:_="">
     <xsd:import namespace="71af3243-3dd4-4a8d-8c0d-dd76da1f02a5"/>
@@ -7800,25 +8154,25 @@
 </ct:contentTypeSchema>
 </file>
 
-<file path=customXml/item2.xml><?xml version="1.0" encoding="utf-8"?>
-<p:properties xmlns:p="http://schemas.microsoft.com/office/2006/metadata/properties" xmlns:xsi="http://www.w3.org/2001/XMLSchema-instance" xmlns:pc="http://schemas.microsoft.com/office/infopath/2007/PartnerControls">
-  <documentManagement>
-    <Status xmlns="71af3243-3dd4-4a8d-8c0d-dd76da1f02a5">Not started</Status>
-    <MediaServiceKeyPoints xmlns="71af3243-3dd4-4a8d-8c0d-dd76da1f02a5" xsi:nil="true"/>
-  </documentManagement>
-</p:properties>
+<file path=customXml/itemProps1.xml><?xml version="1.0" encoding="utf-8"?>
+<ds:datastoreItem xmlns:ds="http://schemas.openxmlformats.org/officeDocument/2006/customXml" ds:itemID="{EBB7C387-AFDC-4FE3-A658-984B7F35F155}">
+  <ds:schemaRefs>
+    <ds:schemaRef ds:uri="http://schemas.microsoft.com/sharepoint/v3/contenttype/forms"/>
+  </ds:schemaRefs>
+</ds:datastoreItem>
 </file>
 
-<file path=customXml/item3.xml><?xml version="1.0" encoding="utf-8"?>
-<?mso-contentType ?>
-<FormTemplates xmlns="http://schemas.microsoft.com/sharepoint/v3/contenttype/forms">
-  <Display>DocumentLibraryForm</Display>
-  <Edit>DocumentLibraryForm</Edit>
-  <New>DocumentLibraryForm</New>
-</FormTemplates>
+<file path=customXml/itemProps2.xml><?xml version="1.0" encoding="utf-8"?>
+<ds:datastoreItem xmlns:ds="http://schemas.openxmlformats.org/officeDocument/2006/customXml" ds:itemID="{F4E32C0B-4052-44CB-9341-8AD8B2CC4712}">
+  <ds:schemaRefs>
+    <ds:schemaRef ds:uri="http://schemas.microsoft.com/office/2006/metadata/properties"/>
+    <ds:schemaRef ds:uri="http://schemas.microsoft.com/office/infopath/2007/PartnerControls"/>
+    <ds:schemaRef ds:uri="71af3243-3dd4-4a8d-8c0d-dd76da1f02a5"/>
+  </ds:schemaRefs>
+</ds:datastoreItem>
 </file>
 
-<file path=customXml/itemProps1.xml><?xml version="1.0" encoding="utf-8"?>
+<file path=customXml/itemProps3.xml><?xml version="1.0" encoding="utf-8"?>
 <ds:datastoreItem xmlns:ds="http://schemas.openxmlformats.org/officeDocument/2006/customXml" ds:itemID="{D6766BD6-F648-49AA-B7EC-13E75CECB99A}">
   <ds:schemaRefs>
     <ds:schemaRef ds:uri="http://schemas.microsoft.com/office/2006/metadata/contentType"/>
@@ -7835,22 +8189,4 @@
     <ds:schemaRef ds:uri="http://schemas.microsoft.com/internal/obd"/>
   </ds:schemaRefs>
 </ds:datastoreItem>
-</file>
-
-<file path=customXml/itemProps2.xml><?xml version="1.0" encoding="utf-8"?>
-<ds:datastoreItem xmlns:ds="http://schemas.openxmlformats.org/officeDocument/2006/customXml" ds:itemID="{F4E32C0B-4052-44CB-9341-8AD8B2CC4712}">
-  <ds:schemaRefs>
-    <ds:schemaRef ds:uri="http://schemas.microsoft.com/office/2006/metadata/properties"/>
-    <ds:schemaRef ds:uri="http://schemas.microsoft.com/office/infopath/2007/PartnerControls"/>
-    <ds:schemaRef ds:uri="71af3243-3dd4-4a8d-8c0d-dd76da1f02a5"/>
-  </ds:schemaRefs>
-</ds:datastoreItem>
-</file>
-
-<file path=customXml/itemProps3.xml><?xml version="1.0" encoding="utf-8"?>
-<ds:datastoreItem xmlns:ds="http://schemas.openxmlformats.org/officeDocument/2006/customXml" ds:itemID="{EBB7C387-AFDC-4FE3-A658-984B7F35F155}">
-  <ds:schemaRefs>
-    <ds:schemaRef ds:uri="http://schemas.microsoft.com/sharepoint/v3/contenttype/forms"/>
-  </ds:schemaRefs>
-</ds:datastoreItem>
 </file>